--- a/Introduction_to_Flutteristas.pptx
+++ b/Introduction_to_Flutteristas.pptx
@@ -2183,7 +2183,7 @@
           </a:ln>
           <a:extLst>
             <a:ext uri="{C572A759-6A51-4108-AA02-DFA0A04FC94B}">
-              <ma14:wrappingTextBoxFlag xmlns:ma14="http://schemas.microsoft.com/office/mac/drawingml/2011/main" xmlns="" val="1"/>
+              <ma14:wrappingTextBoxFlag xmlns="" xmlns:ma14="http://schemas.microsoft.com/office/mac/drawingml/2011/main" val="1"/>
             </a:ext>
           </a:extLst>
         </p:spPr>
@@ -2222,7 +2222,7 @@
           </a:ln>
           <a:extLst>
             <a:ext uri="{C572A759-6A51-4108-AA02-DFA0A04FC94B}">
-              <ma14:wrappingTextBoxFlag xmlns:ma14="http://schemas.microsoft.com/office/mac/drawingml/2011/main" xmlns="" val="1"/>
+              <ma14:wrappingTextBoxFlag xmlns="" xmlns:ma14="http://schemas.microsoft.com/office/mac/drawingml/2011/main" val="1"/>
             </a:ext>
           </a:extLst>
         </p:spPr>
@@ -3061,7 +3061,7 @@
     <p:bg>
       <p:bgPr>
         <a:solidFill>
-          <a:srgbClr val="006BAB"/>
+          <a:schemeClr val="tx1"/>
         </a:solidFill>
         <a:effectLst/>
       </p:bgPr>
@@ -3114,14 +3114,32 @@
           </a:lstStyle>
           <a:p>
             <a:r>
-              <a:rPr dirty="0"/>
+              <a:rPr dirty="0">
+                <a:solidFill>
+                  <a:schemeClr val="accent1">
+                    <a:lumMod val="75000"/>
+                  </a:schemeClr>
+                </a:solidFill>
+              </a:rPr>
               <a:t>Introduction to Flutter</a:t>
             </a:r>
             <a:r>
-              <a:rPr lang="en-US" dirty="0"/>
+              <a:rPr lang="en-US" dirty="0">
+                <a:solidFill>
+                  <a:schemeClr val="accent1">
+                    <a:lumMod val="75000"/>
+                  </a:schemeClr>
+                </a:solidFill>
+              </a:rPr>
               <a:t>istas Community</a:t>
             </a:r>
-            <a:endParaRPr dirty="0"/>
+            <a:endParaRPr dirty="0">
+              <a:solidFill>
+                <a:schemeClr val="accent1">
+                  <a:lumMod val="75000"/>
+                </a:schemeClr>
+              </a:solidFill>
+            </a:endParaRPr>
           </a:p>
         </p:txBody>
       </p:sp>
@@ -3144,8 +3162,47 @@
         </p:blipFill>
         <p:spPr>
           <a:xfrm>
-            <a:off x="5105190" y="648296"/>
-            <a:ext cx="2794426" cy="2531706"/>
+            <a:off x="635820" y="7749996"/>
+            <a:ext cx="1635432" cy="1481675"/>
+          </a:xfrm>
+          <a:prstGeom prst="rect">
+            <a:avLst/>
+          </a:prstGeom>
+          <a:ln w="12700">
+            <a:miter lim="400000"/>
+          </a:ln>
+        </p:spPr>
+      </p:pic>
+      <p:pic>
+        <p:nvPicPr>
+          <p:cNvPr id="4" name="Image Gallery">
+            <a:extLst>
+              <a:ext uri="{FF2B5EF4-FFF2-40B4-BE49-F238E27FC236}">
+                <a16:creationId xmlns:a16="http://schemas.microsoft.com/office/drawing/2014/main" id="{F10CF787-41B3-6D45-9D15-5D4B6545F9B1}"/>
+              </a:ext>
+            </a:extLst>
+          </p:cNvPr>
+          <p:cNvPicPr>
+            <a:picLocks noChangeAspect="1"/>
+          </p:cNvPicPr>
+          <p:nvPr/>
+        </p:nvPicPr>
+        <p:blipFill>
+          <a:blip r:embed="rId3">
+            <a:extLst>
+              <a:ext uri="{28A0092B-C50C-407E-A947-70E740481C1C}">
+                <a14:useLocalDpi xmlns:a14="http://schemas.microsoft.com/office/drawing/2010/main" val="0"/>
+              </a:ext>
+            </a:extLst>
+          </a:blip>
+          <a:stretch>
+            <a:fillRect/>
+          </a:stretch>
+        </p:blipFill>
+        <p:spPr>
+          <a:xfrm>
+            <a:off x="9999406" y="7397937"/>
+            <a:ext cx="2281086" cy="1833734"/>
           </a:xfrm>
           <a:prstGeom prst="rect">
             <a:avLst/>
@@ -3170,7 +3227,7 @@
     <p:bg>
       <p:bgPr>
         <a:solidFill>
-          <a:srgbClr val="006BAB"/>
+          <a:schemeClr val="tx1"/>
         </a:solidFill>
         <a:effectLst/>
       </p:bgPr>
@@ -3223,31 +3280,73 @@
           </a:lstStyle>
           <a:p>
             <a:r>
-              <a:rPr sz="4799" dirty="0"/>
+              <a:rPr sz="4799" dirty="0">
+                <a:solidFill>
+                  <a:schemeClr val="accent1">
+                    <a:lumMod val="75000"/>
+                  </a:schemeClr>
+                </a:solidFill>
+              </a:rPr>
               <a:t>What </a:t>
             </a:r>
             <a:r>
-              <a:rPr lang="en-US" sz="4799" dirty="0"/>
+              <a:rPr lang="en-US" sz="4799" dirty="0">
+                <a:solidFill>
+                  <a:schemeClr val="accent1">
+                    <a:lumMod val="75000"/>
+                  </a:schemeClr>
+                </a:solidFill>
+              </a:rPr>
               <a:t>are</a:t>
             </a:r>
             <a:r>
-              <a:rPr sz="4799" dirty="0"/>
+              <a:rPr sz="4799" dirty="0">
+                <a:solidFill>
+                  <a:schemeClr val="accent1">
+                    <a:lumMod val="75000"/>
+                  </a:schemeClr>
+                </a:solidFill>
+              </a:rPr>
               <a:t> </a:t>
             </a:r>
             <a:r>
-              <a:rPr lang="en-US" sz="4799" dirty="0"/>
+              <a:rPr lang="en-US" sz="4799" dirty="0">
+                <a:solidFill>
+                  <a:schemeClr val="accent1">
+                    <a:lumMod val="75000"/>
+                  </a:schemeClr>
+                </a:solidFill>
+              </a:rPr>
               <a:t>the </a:t>
             </a:r>
             <a:r>
-              <a:rPr sz="4799" dirty="0"/>
+              <a:rPr sz="4799" dirty="0">
+                <a:solidFill>
+                  <a:schemeClr val="accent1">
+                    <a:lumMod val="75000"/>
+                  </a:schemeClr>
+                </a:solidFill>
+              </a:rPr>
               <a:t>Flutter</a:t>
             </a:r>
             <a:r>
-              <a:rPr lang="en-US" sz="4799" dirty="0"/>
+              <a:rPr lang="en-US" sz="4799" dirty="0">
+                <a:solidFill>
+                  <a:schemeClr val="accent1">
+                    <a:lumMod val="75000"/>
+                  </a:schemeClr>
+                </a:solidFill>
+              </a:rPr>
               <a:t>istas</a:t>
             </a:r>
             <a:r>
-              <a:rPr sz="4799" dirty="0"/>
+              <a:rPr sz="4799" dirty="0">
+                <a:solidFill>
+                  <a:schemeClr val="accent1">
+                    <a:lumMod val="75000"/>
+                  </a:schemeClr>
+                </a:solidFill>
+              </a:rPr>
               <a:t>?</a:t>
             </a:r>
           </a:p>
@@ -3266,7 +3365,7 @@
         <p:spPr>
           <a:xfrm>
             <a:off x="693968" y="1347526"/>
-            <a:ext cx="11616866" cy="7902575"/>
+            <a:ext cx="11616866" cy="5628461"/>
           </a:xfrm>
           <a:prstGeom prst="rect">
             <a:avLst/>
@@ -3286,20 +3385,14 @@
               </a:defRPr>
             </a:pPr>
             <a:r>
-              <a:rPr lang="en-US" dirty="0"/>
-              <a:t>The </a:t>
-            </a:r>
-            <a:r>
-              <a:rPr dirty="0" err="1"/>
-              <a:t>Flutter</a:t>
-            </a:r>
-            <a:r>
-              <a:rPr lang="en-US" dirty="0" err="1"/>
-              <a:t>istas</a:t>
-            </a:r>
-            <a:r>
-              <a:rPr lang="en-US" dirty="0"/>
-              <a:t> is a world-wide community of people who identify as women or non-binary who have an interest in the Flutter SDK.</a:t>
+              <a:rPr lang="en-US" dirty="0">
+                <a:solidFill>
+                  <a:schemeClr val="accent1">
+                    <a:lumMod val="75000"/>
+                  </a:schemeClr>
+                </a:solidFill>
+              </a:rPr>
+              <a:t>The Flutteristas is a world-wide community of people whose gender identity is either female or non-binary and have an interest in the Flutter SDK.</a:t>
             </a:r>
           </a:p>
           <a:p>
@@ -3311,18 +3404,22 @@
               </a:defRPr>
             </a:pPr>
             <a:r>
-              <a:rPr lang="en-US" dirty="0"/>
-              <a:t>The </a:t>
-            </a:r>
-            <a:r>
-              <a:rPr lang="en-US" dirty="0" err="1"/>
-              <a:t>Flutteristas</a:t>
-            </a:r>
-            <a:r>
-              <a:rPr lang="en-US" dirty="0"/>
-              <a:t> have a monthly meeting which usually includes a presentation by Google Flutter team member(s) or other Flutter Community member(s).  </a:t>
-            </a:r>
-            <a:endParaRPr dirty="0"/>
+              <a:rPr lang="en-US" dirty="0">
+                <a:solidFill>
+                  <a:schemeClr val="accent1">
+                    <a:lumMod val="75000"/>
+                  </a:schemeClr>
+                </a:solidFill>
+              </a:rPr>
+              <a:t>The Flutteristas have a monthly meeting which usually includes a presentation by Flutter Community member(s).</a:t>
+            </a:r>
+            <a:endParaRPr dirty="0">
+              <a:solidFill>
+                <a:schemeClr val="accent1">
+                  <a:lumMod val="75000"/>
+                </a:schemeClr>
+              </a:solidFill>
+            </a:endParaRPr>
           </a:p>
         </p:txBody>
       </p:sp>
@@ -3380,55 +3477,28 @@
                                   </p:childTnLst>
                                 </p:cTn>
                               </p:par>
+                            </p:childTnLst>
+                          </p:cTn>
+                        </p:par>
+                        <p:par>
+                          <p:cTn id="7" fill="hold">
+                            <p:stCondLst>
+                              <p:cond delay="0"/>
+                            </p:stCondLst>
+                            <p:childTnLst>
                               <p:par>
-                                <p:cTn id="7" presetID="1" presetClass="entr" presetSubtype="0" fill="hold" grpId="1" nodeType="withEffect">
+                                <p:cTn id="8" presetID="1" presetClass="entr" presetSubtype="0" fill="hold" grpId="1" nodeType="afterEffect">
                                   <p:stCondLst>
                                     <p:cond delay="0"/>
                                   </p:stCondLst>
                                   <p:childTnLst>
                                     <p:set>
                                       <p:cBhvr>
-                                        <p:cTn id="8" fill="hold"/>
+                                        <p:cTn id="9" fill="hold"/>
                                         <p:tgtEl>
                                           <p:spTgt spid="124">
                                             <p:txEl>
                                               <p:pRg st="0" end="0"/>
-                                            </p:txEl>
-                                          </p:spTgt>
-                                        </p:tgtEl>
-                                        <p:attrNameLst>
-                                          <p:attrName>style.visibility</p:attrName>
-                                        </p:attrNameLst>
-                                      </p:cBhvr>
-                                      <p:to>
-                                        <p:strVal val="visible"/>
-                                      </p:to>
-                                    </p:set>
-                                  </p:childTnLst>
-                                </p:cTn>
-                              </p:par>
-                            </p:childTnLst>
-                          </p:cTn>
-                        </p:par>
-                        <p:par>
-                          <p:cTn id="9" fill="hold">
-                            <p:stCondLst>
-                              <p:cond delay="0"/>
-                            </p:stCondLst>
-                            <p:childTnLst>
-                              <p:par>
-                                <p:cTn id="10" presetID="1" presetClass="entr" presetSubtype="0" fill="hold" grpId="1" nodeType="afterEffect">
-                                  <p:stCondLst>
-                                    <p:cond delay="0"/>
-                                  </p:stCondLst>
-                                  <p:childTnLst>
-                                    <p:set>
-                                      <p:cBhvr>
-                                        <p:cTn id="11" fill="hold"/>
-                                        <p:tgtEl>
-                                          <p:spTgt spid="124">
-                                            <p:txEl>
-                                              <p:pRg st="1" end="1"/>
                                             </p:txEl>
                                           </p:spTgt>
                                         </p:tgtEl>
@@ -3483,7 +3553,7 @@
     <p:bg>
       <p:bgPr>
         <a:solidFill>
-          <a:srgbClr val="006BAB"/>
+          <a:schemeClr val="tx1"/>
         </a:solidFill>
         <a:effectLst/>
       </p:bgPr>
@@ -3536,10 +3606,22 @@
           </a:lstStyle>
           <a:p>
             <a:r>
-              <a:rPr lang="en-US" dirty="0"/>
+              <a:rPr lang="en-US" dirty="0">
+                <a:solidFill>
+                  <a:schemeClr val="accent1">
+                    <a:lumMod val="75000"/>
+                  </a:schemeClr>
+                </a:solidFill>
+              </a:rPr>
               <a:t>Interested in joining?</a:t>
             </a:r>
-            <a:endParaRPr dirty="0"/>
+            <a:endParaRPr dirty="0">
+              <a:solidFill>
+                <a:schemeClr val="accent1">
+                  <a:lumMod val="75000"/>
+                </a:schemeClr>
+              </a:solidFill>
+            </a:endParaRPr>
           </a:p>
         </p:txBody>
       </p:sp>
@@ -3579,16 +3661,14 @@
               </a:defRPr>
             </a:pPr>
             <a:r>
-              <a:rPr lang="en-US" sz="3999" dirty="0"/>
-              <a:t>Are you interested in joining the </a:t>
-            </a:r>
-            <a:r>
-              <a:rPr lang="en-US" sz="3999" dirty="0" err="1"/>
-              <a:t>Flutteristas</a:t>
-            </a:r>
-            <a:r>
-              <a:rPr lang="en-US" sz="3999" dirty="0"/>
-              <a:t>?</a:t>
+              <a:rPr lang="en-US" sz="3999" dirty="0">
+                <a:solidFill>
+                  <a:schemeClr val="accent1">
+                    <a:lumMod val="75000"/>
+                  </a:schemeClr>
+                </a:solidFill>
+              </a:rPr>
+              <a:t>Are you interested in joining the Flutteristas?</a:t>
             </a:r>
           </a:p>
           <a:p>
@@ -3603,8 +3683,14 @@
               </a:defRPr>
             </a:pPr>
             <a:r>
-              <a:rPr lang="en-US" sz="3999" dirty="0"/>
-              <a:t>Do you identify as a woman or non-binary who has an interest in the Flutter SDK?</a:t>
+              <a:rPr lang="en-US" sz="3999" dirty="0">
+                <a:solidFill>
+                  <a:schemeClr val="accent1">
+                    <a:lumMod val="75000"/>
+                  </a:schemeClr>
+                </a:solidFill>
+              </a:rPr>
+              <a:t>Do you identify* as a woman or non-binary who has an interest in the Flutter SDK?</a:t>
             </a:r>
           </a:p>
           <a:p>
@@ -3619,16 +3705,14 @@
               </a:defRPr>
             </a:pPr>
             <a:r>
-              <a:rPr lang="en-US" sz="3999" dirty="0"/>
-              <a:t>Do you agree to the </a:t>
-            </a:r>
-            <a:r>
-              <a:rPr lang="en-US" sz="3999" dirty="0" err="1"/>
-              <a:t>Flutteristas</a:t>
-            </a:r>
-            <a:r>
-              <a:rPr lang="en-US" sz="3999" dirty="0"/>
-              <a:t>’ Code of Conduct (see appendix)?</a:t>
+              <a:rPr lang="en-US" sz="3999" dirty="0">
+                <a:solidFill>
+                  <a:schemeClr val="accent1">
+                    <a:lumMod val="75000"/>
+                  </a:schemeClr>
+                </a:solidFill>
+              </a:rPr>
+              <a:t>Do you agree to the Flutteristas’ Code of Conduct (see next slide)?</a:t>
             </a:r>
           </a:p>
           <a:p>
@@ -3643,32 +3727,54 @@
               </a:defRPr>
             </a:pPr>
             <a:r>
-              <a:rPr lang="en-US" sz="3999" dirty="0"/>
-              <a:t>If you answered yes to all three of these questions, contact the presenter or send an email to </a:t>
-            </a:r>
-            <a:r>
-              <a:rPr lang="en-US" sz="3999" dirty="0" err="1"/>
-              <a:t>Flutteristas@gmail.com</a:t>
-            </a:r>
-            <a:r>
-              <a:rPr lang="en-US" sz="3999" dirty="0"/>
-              <a:t>.  It’s recommended to use a </a:t>
-            </a:r>
-            <a:r>
-              <a:rPr lang="en-US" sz="3999" dirty="0" err="1"/>
+              <a:rPr lang="en-US" sz="3999" dirty="0">
+                <a:solidFill>
+                  <a:schemeClr val="accent1">
+                    <a:lumMod val="75000"/>
+                  </a:schemeClr>
+                </a:solidFill>
+              </a:rPr>
+              <a:t>If you answered “yes” to all three of these questions, send an email to </a:t>
+            </a:r>
+            <a:r>
+              <a:rPr lang="en-US" sz="3999" dirty="0" err="1">
+                <a:solidFill>
+                  <a:schemeClr val="accent1">
+                    <a:lumMod val="75000"/>
+                  </a:schemeClr>
+                </a:solidFill>
+              </a:rPr>
+              <a:t>flutteristas@gmail.com</a:t>
+            </a:r>
+            <a:r>
+              <a:rPr lang="en-US" sz="3999" dirty="0">
+                <a:solidFill>
+                  <a:schemeClr val="accent1">
+                    <a:lumMod val="75000"/>
+                  </a:schemeClr>
+                </a:solidFill>
+              </a:rPr>
+              <a:t>.  It is recommended to use a </a:t>
+            </a:r>
+            <a:r>
+              <a:rPr lang="en-US" sz="3999" dirty="0" err="1">
+                <a:solidFill>
+                  <a:schemeClr val="accent1">
+                    <a:lumMod val="75000"/>
+                  </a:schemeClr>
+                </a:solidFill>
+              </a:rPr>
               <a:t>gmail</a:t>
             </a:r>
             <a:r>
-              <a:rPr lang="en-US" sz="3999" dirty="0"/>
-              <a:t> account so that you can be added to the </a:t>
-            </a:r>
-            <a:r>
-              <a:rPr lang="en-US" sz="3999" dirty="0" err="1"/>
-              <a:t>Flutteristas</a:t>
-            </a:r>
-            <a:r>
-              <a:rPr lang="en-US" sz="3999" dirty="0"/>
-              <a:t> calendar.</a:t>
+              <a:rPr lang="en-US" sz="3999" dirty="0">
+                <a:solidFill>
+                  <a:schemeClr val="accent1">
+                    <a:lumMod val="75000"/>
+                  </a:schemeClr>
+                </a:solidFill>
+              </a:rPr>
+              <a:t> account so that you can be added to the Flutteristas calendar.</a:t>
             </a:r>
           </a:p>
         </p:txBody>
@@ -3688,7 +3794,7 @@
     <p:bg>
       <p:bgPr>
         <a:solidFill>
-          <a:srgbClr val="006BAB"/>
+          <a:schemeClr val="tx1"/>
         </a:solidFill>
         <a:effectLst/>
       </p:bgPr>
@@ -3735,6 +3841,13 @@
           </a:lstStyle>
           <a:p>
             <a:r>
+              <a:rPr dirty="0">
+                <a:solidFill>
+                  <a:schemeClr val="accent1">
+                    <a:lumMod val="75000"/>
+                  </a:schemeClr>
+                </a:solidFill>
+              </a:rPr>
               <a:t>Questions?</a:t>
             </a:r>
           </a:p>
@@ -3755,7 +3868,7 @@
     <p:bg>
       <p:bgPr>
         <a:solidFill>
-          <a:srgbClr val="006BAB"/>
+          <a:schemeClr val="tx1"/>
         </a:solidFill>
         <a:effectLst/>
       </p:bgPr>
@@ -3802,10 +3915,22 @@
           </a:lstStyle>
           <a:p>
             <a:r>
-              <a:rPr lang="en-US" dirty="0"/>
+              <a:rPr lang="en-US" dirty="0">
+                <a:solidFill>
+                  <a:schemeClr val="accent1">
+                    <a:lumMod val="75000"/>
+                  </a:schemeClr>
+                </a:solidFill>
+              </a:rPr>
               <a:t>Appendix</a:t>
             </a:r>
-            <a:endParaRPr dirty="0"/>
+            <a:endParaRPr dirty="0">
+              <a:solidFill>
+                <a:schemeClr val="accent1">
+                  <a:lumMod val="75000"/>
+                </a:schemeClr>
+              </a:solidFill>
+            </a:endParaRPr>
           </a:p>
         </p:txBody>
       </p:sp>
@@ -3829,7 +3954,7 @@
     <p:bg>
       <p:bgPr>
         <a:solidFill>
-          <a:srgbClr val="006BAB"/>
+          <a:schemeClr val="tx1"/>
         </a:solidFill>
         <a:effectLst/>
       </p:bgPr>
@@ -3882,14 +4007,32 @@
           </a:lstStyle>
           <a:p>
             <a:r>
-              <a:rPr lang="en-US" sz="4799" dirty="0" err="1"/>
+              <a:rPr lang="en-US" sz="4799" dirty="0" err="1">
+                <a:solidFill>
+                  <a:schemeClr val="accent1">
+                    <a:lumMod val="75000"/>
+                  </a:schemeClr>
+                </a:solidFill>
+              </a:rPr>
               <a:t>Flutteristas</a:t>
             </a:r>
             <a:r>
-              <a:rPr lang="en-US" sz="4799" dirty="0"/>
+              <a:rPr lang="en-US" sz="4799" dirty="0">
+                <a:solidFill>
+                  <a:schemeClr val="accent1">
+                    <a:lumMod val="75000"/>
+                  </a:schemeClr>
+                </a:solidFill>
+              </a:rPr>
               <a:t> Code of Conduct</a:t>
             </a:r>
-            <a:endParaRPr sz="4799" dirty="0"/>
+            <a:endParaRPr sz="4799" dirty="0">
+              <a:solidFill>
+                <a:schemeClr val="accent1">
+                  <a:lumMod val="75000"/>
+                </a:schemeClr>
+              </a:solidFill>
+            </a:endParaRPr>
           </a:p>
         </p:txBody>
       </p:sp>
@@ -3926,12 +4069,14 @@
               </a:defRPr>
             </a:pPr>
             <a:r>
-              <a:rPr lang="en-US" dirty="0" err="1"/>
-              <a:t>Flutteristas</a:t>
-            </a:r>
-            <a:r>
-              <a:rPr lang="en-US" dirty="0"/>
-              <a:t> are dedicated to providing a harassment-free and inclusive experience for everyone regardless of gender identity and expression, sexual orientation, disabilities, neurodiversity, physical appearance, body size, ethnicity, nationality, race, age, religion, or other protected category. </a:t>
+              <a:rPr lang="en-US" dirty="0">
+                <a:solidFill>
+                  <a:schemeClr val="accent1">
+                    <a:lumMod val="75000"/>
+                  </a:schemeClr>
+                </a:solidFill>
+              </a:rPr>
+              <a:t>Flutteristas are dedicated to providing a harassment-free and inclusive experience for everyone regardless of gender identity and expression, sexual orientation, disabilities, neurodiversity, physical appearance, body size, ethnicity, nationality, race, age, religion, or other protected category.</a:t>
             </a:r>
           </a:p>
           <a:p>
@@ -3943,26 +4088,42 @@
               </a:defRPr>
             </a:pPr>
             <a:r>
-              <a:rPr lang="en-US" dirty="0" err="1"/>
-              <a:t>Flutteristas</a:t>
-            </a:r>
-            <a:r>
-              <a:rPr lang="en-US"/>
-              <a:t> follow </a:t>
-            </a:r>
-            <a:r>
-              <a:rPr lang="en-US" dirty="0"/>
-              <a:t>Google’s Flutter Interact Community Guidelines located at  https://</a:t>
-            </a:r>
-            <a:r>
-              <a:rPr lang="en-US" dirty="0" err="1"/>
+              <a:rPr lang="en-US" dirty="0">
+                <a:solidFill>
+                  <a:schemeClr val="accent1">
+                    <a:lumMod val="75000"/>
+                  </a:schemeClr>
+                </a:solidFill>
+              </a:rPr>
+              <a:t>Flutteristas follow Google’s Flutter Interact Community Guidelines located at  https://</a:t>
+            </a:r>
+            <a:r>
+              <a:rPr lang="en-US" dirty="0" err="1">
+                <a:solidFill>
+                  <a:schemeClr val="accent1">
+                    <a:lumMod val="75000"/>
+                  </a:schemeClr>
+                </a:solidFill>
+              </a:rPr>
               <a:t>developers.google.com</a:t>
             </a:r>
             <a:r>
-              <a:rPr lang="en-US" dirty="0"/>
+              <a:rPr lang="en-US" dirty="0">
+                <a:solidFill>
+                  <a:schemeClr val="accent1">
+                    <a:lumMod val="75000"/>
+                  </a:schemeClr>
+                </a:solidFill>
+              </a:rPr>
               <a:t>/events/flutter-interact/community-guidelines. </a:t>
             </a:r>
-            <a:endParaRPr dirty="0"/>
+            <a:endParaRPr dirty="0">
+              <a:solidFill>
+                <a:schemeClr val="accent1">
+                  <a:lumMod val="75000"/>
+                </a:schemeClr>
+              </a:solidFill>
+            </a:endParaRPr>
           </a:p>
         </p:txBody>
       </p:sp>

--- a/Introduction_to_Flutteristas.pptx
+++ b/Introduction_to_Flutteristas.pptx
@@ -5,7 +5,7 @@
     <p:sldMasterId id="2147483648" r:id="rId1"/>
   </p:sldMasterIdLst>
   <p:notesMasterIdLst>
-    <p:notesMasterId r:id="rId8"/>
+    <p:notesMasterId r:id="rId14"/>
   </p:notesMasterIdLst>
   <p:sldIdLst>
     <p:sldId id="256" r:id="rId2"/>
@@ -14,6 +14,12 @@
     <p:sldId id="269" r:id="rId5"/>
     <p:sldId id="274" r:id="rId6"/>
     <p:sldId id="271" r:id="rId7"/>
+    <p:sldId id="275" r:id="rId8"/>
+    <p:sldId id="276" r:id="rId9"/>
+    <p:sldId id="277" r:id="rId10"/>
+    <p:sldId id="278" r:id="rId11"/>
+    <p:sldId id="279" r:id="rId12"/>
+    <p:sldId id="280" r:id="rId13"/>
   </p:sldIdLst>
   <p:sldSz cx="13004800" cy="9753600"/>
   <p:notesSz cx="6858000" cy="9144000"/>
@@ -2141,7 +2147,7 @@
     <p:bg>
       <p:bgPr>
         <a:solidFill>
-          <a:srgbClr val="000000"/>
+          <a:schemeClr val="tx1"/>
         </a:solidFill>
         <a:effectLst/>
       </p:bgPr>
@@ -2183,7 +2189,7 @@
           </a:ln>
           <a:extLst>
             <a:ext uri="{C572A759-6A51-4108-AA02-DFA0A04FC94B}">
-              <ma14:wrappingTextBoxFlag xmlns="" xmlns:ma14="http://schemas.microsoft.com/office/mac/drawingml/2011/main" val="1"/>
+              <ma14:wrappingTextBoxFlag xmlns:ma14="http://schemas.microsoft.com/office/mac/drawingml/2011/main" xmlns="" val="1"/>
             </a:ext>
           </a:extLst>
         </p:spPr>
@@ -2222,7 +2228,7 @@
           </a:ln>
           <a:extLst>
             <a:ext uri="{C572A759-6A51-4108-AA02-DFA0A04FC94B}">
-              <ma14:wrappingTextBoxFlag xmlns="" xmlns:ma14="http://schemas.microsoft.com/office/mac/drawingml/2011/main" val="1"/>
+              <ma14:wrappingTextBoxFlag xmlns:ma14="http://schemas.microsoft.com/office/mac/drawingml/2011/main" xmlns="" val="1"/>
             </a:ext>
           </a:extLst>
         </p:spPr>
@@ -3058,14 +3064,6 @@
 <file path=ppt/slides/slide1.xml><?xml version="1.0" encoding="utf-8"?>
 <p:sld xmlns:a="http://schemas.openxmlformats.org/drawingml/2006/main" xmlns:r="http://schemas.openxmlformats.org/officeDocument/2006/relationships" xmlns:p="http://schemas.openxmlformats.org/presentationml/2006/main">
   <p:cSld>
-    <p:bg>
-      <p:bgPr>
-        <a:solidFill>
-          <a:schemeClr val="tx1"/>
-        </a:solidFill>
-        <a:effectLst/>
-      </p:bgPr>
-    </p:bg>
     <p:spTree>
       <p:nvGrpSpPr>
         <p:cNvPr id="1" name=""/>
@@ -3221,17 +3219,1204 @@
 </p:sld>
 </file>
 
+<file path=ppt/slides/slide10.xml><?xml version="1.0" encoding="utf-8"?>
+<p:sld xmlns:a="http://schemas.openxmlformats.org/drawingml/2006/main" xmlns:r="http://schemas.openxmlformats.org/officeDocument/2006/relationships" xmlns:p="http://schemas.openxmlformats.org/presentationml/2006/main">
+  <p:cSld>
+    <p:spTree>
+      <p:nvGrpSpPr>
+        <p:cNvPr id="1" name=""/>
+        <p:cNvGrpSpPr/>
+        <p:nvPr/>
+      </p:nvGrpSpPr>
+      <p:grpSpPr>
+        <a:xfrm>
+          <a:off x="0" y="0"/>
+          <a:ext cx="0" cy="0"/>
+          <a:chOff x="0" y="0"/>
+          <a:chExt cx="0" cy="0"/>
+        </a:xfrm>
+      </p:grpSpPr>
+      <p:sp>
+        <p:nvSpPr>
+          <p:cNvPr id="203" name="Questions?"/>
+          <p:cNvSpPr txBox="1">
+            <a:spLocks noGrp="1"/>
+          </p:cNvSpPr>
+          <p:nvPr>
+            <p:ph type="title"/>
+          </p:nvPr>
+        </p:nvSpPr>
+        <p:spPr>
+          <a:prstGeom prst="rect">
+            <a:avLst/>
+          </a:prstGeom>
+        </p:spPr>
+        <p:txBody>
+          <a:bodyPr/>
+          <a:lstStyle>
+            <a:lvl1pPr>
+              <a:defRPr>
+                <a:solidFill>
+                  <a:srgbClr val="FFCA00"/>
+                </a:solidFill>
+              </a:defRPr>
+            </a:lvl1pPr>
+          </a:lstStyle>
+          <a:p>
+            <a:r>
+              <a:rPr dirty="0">
+                <a:solidFill>
+                  <a:schemeClr val="accent1">
+                    <a:lumMod val="75000"/>
+                  </a:schemeClr>
+                </a:solidFill>
+              </a:rPr>
+              <a:t>Questions?</a:t>
+            </a:r>
+          </a:p>
+        </p:txBody>
+      </p:sp>
+    </p:spTree>
+    <p:extLst>
+      <p:ext uri="{BB962C8B-B14F-4D97-AF65-F5344CB8AC3E}">
+        <p14:creationId xmlns:p14="http://schemas.microsoft.com/office/powerpoint/2010/main" val="1446005128"/>
+      </p:ext>
+    </p:extLst>
+  </p:cSld>
+  <p:clrMapOvr>
+    <a:masterClrMapping/>
+  </p:clrMapOvr>
+  <p:transition spd="med"/>
+</p:sld>
+</file>
+
+<file path=ppt/slides/slide11.xml><?xml version="1.0" encoding="utf-8"?>
+<p:sld xmlns:a="http://schemas.openxmlformats.org/drawingml/2006/main" xmlns:r="http://schemas.openxmlformats.org/officeDocument/2006/relationships" xmlns:p="http://schemas.openxmlformats.org/presentationml/2006/main">
+  <p:cSld>
+    <p:spTree>
+      <p:nvGrpSpPr>
+        <p:cNvPr id="1" name=""/>
+        <p:cNvGrpSpPr/>
+        <p:nvPr/>
+      </p:nvGrpSpPr>
+      <p:grpSpPr>
+        <a:xfrm>
+          <a:off x="0" y="0"/>
+          <a:ext cx="0" cy="0"/>
+          <a:chOff x="0" y="0"/>
+          <a:chExt cx="0" cy="0"/>
+        </a:xfrm>
+      </p:grpSpPr>
+      <p:sp>
+        <p:nvSpPr>
+          <p:cNvPr id="203" name="Questions?"/>
+          <p:cNvSpPr txBox="1">
+            <a:spLocks noGrp="1"/>
+          </p:cNvSpPr>
+          <p:nvPr>
+            <p:ph type="title"/>
+          </p:nvPr>
+        </p:nvSpPr>
+        <p:spPr>
+          <a:prstGeom prst="rect">
+            <a:avLst/>
+          </a:prstGeom>
+        </p:spPr>
+        <p:txBody>
+          <a:bodyPr/>
+          <a:lstStyle>
+            <a:lvl1pPr>
+              <a:defRPr>
+                <a:solidFill>
+                  <a:srgbClr val="FFCA00"/>
+                </a:solidFill>
+              </a:defRPr>
+            </a:lvl1pPr>
+          </a:lstStyle>
+          <a:p>
+            <a:r>
+              <a:rPr lang="en-US" dirty="0">
+                <a:solidFill>
+                  <a:schemeClr val="accent1">
+                    <a:lumMod val="75000"/>
+                  </a:schemeClr>
+                </a:solidFill>
+              </a:rPr>
+              <a:t>Appendix</a:t>
+            </a:r>
+            <a:endParaRPr dirty="0">
+              <a:solidFill>
+                <a:schemeClr val="accent1">
+                  <a:lumMod val="75000"/>
+                </a:schemeClr>
+              </a:solidFill>
+            </a:endParaRPr>
+          </a:p>
+        </p:txBody>
+      </p:sp>
+    </p:spTree>
+    <p:extLst>
+      <p:ext uri="{BB962C8B-B14F-4D97-AF65-F5344CB8AC3E}">
+        <p14:creationId xmlns:p14="http://schemas.microsoft.com/office/powerpoint/2010/main" val="3264242204"/>
+      </p:ext>
+    </p:extLst>
+  </p:cSld>
+  <p:clrMapOvr>
+    <a:masterClrMapping/>
+  </p:clrMapOvr>
+  <p:transition spd="med"/>
+</p:sld>
+</file>
+
+<file path=ppt/slides/slide12.xml><?xml version="1.0" encoding="utf-8"?>
+<p:sld xmlns:a="http://schemas.openxmlformats.org/drawingml/2006/main" xmlns:r="http://schemas.openxmlformats.org/officeDocument/2006/relationships" xmlns:p="http://schemas.openxmlformats.org/presentationml/2006/main">
+  <p:cSld>
+    <p:spTree>
+      <p:nvGrpSpPr>
+        <p:cNvPr id="1" name=""/>
+        <p:cNvGrpSpPr/>
+        <p:nvPr/>
+      </p:nvGrpSpPr>
+      <p:grpSpPr>
+        <a:xfrm>
+          <a:off x="0" y="0"/>
+          <a:ext cx="0" cy="0"/>
+          <a:chOff x="0" y="0"/>
+          <a:chExt cx="0" cy="0"/>
+        </a:xfrm>
+      </p:grpSpPr>
+      <p:sp>
+        <p:nvSpPr>
+          <p:cNvPr id="123" name="What is Flutter?"/>
+          <p:cNvSpPr txBox="1">
+            <a:spLocks noGrp="1"/>
+          </p:cNvSpPr>
+          <p:nvPr>
+            <p:ph type="title"/>
+          </p:nvPr>
+        </p:nvSpPr>
+        <p:spPr>
+          <a:xfrm>
+            <a:off x="952500" y="254001"/>
+            <a:ext cx="11099802" cy="1273260"/>
+          </a:xfrm>
+          <a:prstGeom prst="rect">
+            <a:avLst/>
+          </a:prstGeom>
+        </p:spPr>
+        <p:txBody>
+          <a:bodyPr>
+            <a:noAutofit/>
+          </a:bodyPr>
+          <a:lstStyle>
+            <a:lvl1pPr defTabSz="560831">
+              <a:defRPr sz="7679">
+                <a:solidFill>
+                  <a:srgbClr val="FFCA00"/>
+                </a:solidFill>
+              </a:defRPr>
+            </a:lvl1pPr>
+          </a:lstStyle>
+          <a:p>
+            <a:r>
+              <a:rPr lang="en-US" sz="4799" dirty="0">
+                <a:solidFill>
+                  <a:schemeClr val="accent1">
+                    <a:lumMod val="75000"/>
+                  </a:schemeClr>
+                </a:solidFill>
+              </a:rPr>
+              <a:t>Código de </a:t>
+            </a:r>
+            <a:r>
+              <a:rPr lang="en-US" sz="4799" dirty="0" err="1">
+                <a:solidFill>
+                  <a:schemeClr val="accent1">
+                    <a:lumMod val="75000"/>
+                  </a:schemeClr>
+                </a:solidFill>
+              </a:rPr>
+              <a:t>conducta</a:t>
+            </a:r>
+            <a:r>
+              <a:rPr lang="en-US" sz="4799" dirty="0">
+                <a:solidFill>
+                  <a:schemeClr val="accent1">
+                    <a:lumMod val="75000"/>
+                  </a:schemeClr>
+                </a:solidFill>
+              </a:rPr>
+              <a:t> de Flutteristas</a:t>
+            </a:r>
+            <a:endParaRPr sz="4799" dirty="0">
+              <a:solidFill>
+                <a:schemeClr val="accent1">
+                  <a:lumMod val="75000"/>
+                </a:schemeClr>
+              </a:solidFill>
+            </a:endParaRPr>
+          </a:p>
+        </p:txBody>
+      </p:sp>
+      <p:sp>
+        <p:nvSpPr>
+          <p:cNvPr id="124" name="Flutter is an Open Source UI Toolkit created by Google to enable developers to build natively compiled mobile, web, and desktop apps with a single codebase.…"/>
+          <p:cNvSpPr txBox="1">
+            <a:spLocks noGrp="1"/>
+          </p:cNvSpPr>
+          <p:nvPr>
+            <p:ph type="body" idx="1"/>
+          </p:nvPr>
+        </p:nvSpPr>
+        <p:spPr>
+          <a:xfrm>
+            <a:off x="693968" y="1347526"/>
+            <a:ext cx="11616866" cy="7902575"/>
+          </a:xfrm>
+          <a:prstGeom prst="rect">
+            <a:avLst/>
+          </a:prstGeom>
+        </p:spPr>
+        <p:txBody>
+          <a:bodyPr>
+            <a:normAutofit fontScale="92500" lnSpcReduction="10000"/>
+          </a:bodyPr>
+          <a:lstStyle/>
+          <a:p>
+            <a:pPr marL="444445" indent="-444445">
+              <a:defRPr sz="4500">
+                <a:solidFill>
+                  <a:srgbClr val="82C6F5"/>
+                </a:solidFill>
+              </a:defRPr>
+            </a:pPr>
+            <a:r>
+              <a:rPr lang="en-US" dirty="0">
+                <a:solidFill>
+                  <a:schemeClr val="accent1">
+                    <a:lumMod val="75000"/>
+                  </a:schemeClr>
+                </a:solidFill>
+              </a:rPr>
+              <a:t>Las </a:t>
+            </a:r>
+            <a:r>
+              <a:rPr lang="en-US" dirty="0" err="1">
+                <a:solidFill>
+                  <a:schemeClr val="accent1">
+                    <a:lumMod val="75000"/>
+                  </a:schemeClr>
+                </a:solidFill>
+              </a:rPr>
+              <a:t>flutteristas</a:t>
+            </a:r>
+            <a:r>
+              <a:rPr lang="en-US" dirty="0">
+                <a:solidFill>
+                  <a:schemeClr val="accent1">
+                    <a:lumMod val="75000"/>
+                  </a:schemeClr>
+                </a:solidFill>
+              </a:rPr>
+              <a:t> se </a:t>
+            </a:r>
+            <a:r>
+              <a:rPr lang="en-US" dirty="0" err="1">
+                <a:solidFill>
+                  <a:schemeClr val="accent1">
+                    <a:lumMod val="75000"/>
+                  </a:schemeClr>
+                </a:solidFill>
+              </a:rPr>
+              <a:t>dedican</a:t>
+            </a:r>
+            <a:r>
+              <a:rPr lang="en-US" dirty="0">
+                <a:solidFill>
+                  <a:schemeClr val="accent1">
+                    <a:lumMod val="75000"/>
+                  </a:schemeClr>
+                </a:solidFill>
+              </a:rPr>
+              <a:t> a </a:t>
+            </a:r>
+            <a:r>
+              <a:rPr lang="en-US" dirty="0" err="1">
+                <a:solidFill>
+                  <a:schemeClr val="accent1">
+                    <a:lumMod val="75000"/>
+                  </a:schemeClr>
+                </a:solidFill>
+              </a:rPr>
+              <a:t>brindar</a:t>
+            </a:r>
+            <a:r>
+              <a:rPr lang="en-US" dirty="0">
+                <a:solidFill>
+                  <a:schemeClr val="accent1">
+                    <a:lumMod val="75000"/>
+                  </a:schemeClr>
+                </a:solidFill>
+              </a:rPr>
+              <a:t> </a:t>
+            </a:r>
+            <a:r>
+              <a:rPr lang="en-US" dirty="0" err="1">
+                <a:solidFill>
+                  <a:schemeClr val="accent1">
+                    <a:lumMod val="75000"/>
+                  </a:schemeClr>
+                </a:solidFill>
+              </a:rPr>
+              <a:t>una</a:t>
+            </a:r>
+            <a:r>
+              <a:rPr lang="en-US" dirty="0">
+                <a:solidFill>
+                  <a:schemeClr val="accent1">
+                    <a:lumMod val="75000"/>
+                  </a:schemeClr>
+                </a:solidFill>
+              </a:rPr>
+              <a:t> </a:t>
+            </a:r>
+            <a:r>
+              <a:rPr lang="en-US" dirty="0" err="1">
+                <a:solidFill>
+                  <a:schemeClr val="accent1">
+                    <a:lumMod val="75000"/>
+                  </a:schemeClr>
+                </a:solidFill>
+              </a:rPr>
+              <a:t>experiencia</a:t>
+            </a:r>
+            <a:r>
+              <a:rPr lang="en-US" dirty="0">
+                <a:solidFill>
+                  <a:schemeClr val="accent1">
+                    <a:lumMod val="75000"/>
+                  </a:schemeClr>
+                </a:solidFill>
+              </a:rPr>
+              <a:t> </a:t>
+            </a:r>
+            <a:r>
+              <a:rPr lang="en-US" dirty="0" err="1">
+                <a:solidFill>
+                  <a:schemeClr val="accent1">
+                    <a:lumMod val="75000"/>
+                  </a:schemeClr>
+                </a:solidFill>
+              </a:rPr>
+              <a:t>inclusiva</a:t>
+            </a:r>
+            <a:r>
+              <a:rPr lang="en-US" dirty="0">
+                <a:solidFill>
+                  <a:schemeClr val="accent1">
+                    <a:lumMod val="75000"/>
+                  </a:schemeClr>
+                </a:solidFill>
+              </a:rPr>
+              <a:t> y </a:t>
+            </a:r>
+            <a:r>
+              <a:rPr lang="en-US" dirty="0" err="1">
+                <a:solidFill>
+                  <a:schemeClr val="accent1">
+                    <a:lumMod val="75000"/>
+                  </a:schemeClr>
+                </a:solidFill>
+              </a:rPr>
+              <a:t>libre</a:t>
+            </a:r>
+            <a:r>
+              <a:rPr lang="en-US" dirty="0">
+                <a:solidFill>
+                  <a:schemeClr val="accent1">
+                    <a:lumMod val="75000"/>
+                  </a:schemeClr>
+                </a:solidFill>
+              </a:rPr>
+              <a:t> de </a:t>
+            </a:r>
+            <a:r>
+              <a:rPr lang="en-US" dirty="0" err="1">
+                <a:solidFill>
+                  <a:schemeClr val="accent1">
+                    <a:lumMod val="75000"/>
+                  </a:schemeClr>
+                </a:solidFill>
+              </a:rPr>
+              <a:t>acoso</a:t>
+            </a:r>
+            <a:r>
+              <a:rPr lang="en-US" dirty="0">
+                <a:solidFill>
+                  <a:schemeClr val="accent1">
+                    <a:lumMod val="75000"/>
+                  </a:schemeClr>
+                </a:solidFill>
+              </a:rPr>
+              <a:t> para </a:t>
+            </a:r>
+            <a:r>
+              <a:rPr lang="en-US" dirty="0" err="1">
+                <a:solidFill>
+                  <a:schemeClr val="accent1">
+                    <a:lumMod val="75000"/>
+                  </a:schemeClr>
+                </a:solidFill>
+              </a:rPr>
+              <a:t>todos</a:t>
+            </a:r>
+            <a:r>
+              <a:rPr lang="en-US" dirty="0">
+                <a:solidFill>
+                  <a:schemeClr val="accent1">
+                    <a:lumMod val="75000"/>
+                  </a:schemeClr>
+                </a:solidFill>
+              </a:rPr>
+              <a:t>, </a:t>
+            </a:r>
+            <a:r>
+              <a:rPr lang="en-US" dirty="0" err="1">
+                <a:solidFill>
+                  <a:schemeClr val="accent1">
+                    <a:lumMod val="75000"/>
+                  </a:schemeClr>
+                </a:solidFill>
+              </a:rPr>
+              <a:t>independientemente</a:t>
+            </a:r>
+            <a:r>
+              <a:rPr lang="en-US" dirty="0">
+                <a:solidFill>
+                  <a:schemeClr val="accent1">
+                    <a:lumMod val="75000"/>
+                  </a:schemeClr>
+                </a:solidFill>
+              </a:rPr>
+              <a:t> de </a:t>
+            </a:r>
+            <a:r>
+              <a:rPr lang="en-US" dirty="0" err="1">
+                <a:solidFill>
+                  <a:schemeClr val="accent1">
+                    <a:lumMod val="75000"/>
+                  </a:schemeClr>
+                </a:solidFill>
+              </a:rPr>
+              <a:t>su</a:t>
+            </a:r>
+            <a:r>
+              <a:rPr lang="en-US" dirty="0">
+                <a:solidFill>
+                  <a:schemeClr val="accent1">
+                    <a:lumMod val="75000"/>
+                  </a:schemeClr>
+                </a:solidFill>
+              </a:rPr>
+              <a:t> </a:t>
+            </a:r>
+            <a:r>
+              <a:rPr lang="en-US" dirty="0" err="1">
+                <a:solidFill>
+                  <a:schemeClr val="accent1">
+                    <a:lumMod val="75000"/>
+                  </a:schemeClr>
+                </a:solidFill>
+              </a:rPr>
+              <a:t>identidad</a:t>
+            </a:r>
+            <a:r>
+              <a:rPr lang="en-US" dirty="0">
+                <a:solidFill>
+                  <a:schemeClr val="accent1">
+                    <a:lumMod val="75000"/>
+                  </a:schemeClr>
+                </a:solidFill>
+              </a:rPr>
+              <a:t> y </a:t>
+            </a:r>
+            <a:r>
+              <a:rPr lang="en-US" dirty="0" err="1">
+                <a:solidFill>
+                  <a:schemeClr val="accent1">
+                    <a:lumMod val="75000"/>
+                  </a:schemeClr>
+                </a:solidFill>
+              </a:rPr>
+              <a:t>expresión</a:t>
+            </a:r>
+            <a:r>
+              <a:rPr lang="en-US" dirty="0">
+                <a:solidFill>
+                  <a:schemeClr val="accent1">
+                    <a:lumMod val="75000"/>
+                  </a:schemeClr>
+                </a:solidFill>
+              </a:rPr>
+              <a:t> de </a:t>
+            </a:r>
+            <a:r>
+              <a:rPr lang="en-US" dirty="0" err="1">
+                <a:solidFill>
+                  <a:schemeClr val="accent1">
+                    <a:lumMod val="75000"/>
+                  </a:schemeClr>
+                </a:solidFill>
+              </a:rPr>
+              <a:t>género</a:t>
+            </a:r>
+            <a:r>
+              <a:rPr lang="en-US" dirty="0">
+                <a:solidFill>
+                  <a:schemeClr val="accent1">
+                    <a:lumMod val="75000"/>
+                  </a:schemeClr>
+                </a:solidFill>
+              </a:rPr>
+              <a:t>, </a:t>
+            </a:r>
+            <a:r>
+              <a:rPr lang="en-US" dirty="0" err="1">
+                <a:solidFill>
+                  <a:schemeClr val="accent1">
+                    <a:lumMod val="75000"/>
+                  </a:schemeClr>
+                </a:solidFill>
+              </a:rPr>
+              <a:t>orientación</a:t>
+            </a:r>
+            <a:r>
+              <a:rPr lang="en-US" dirty="0">
+                <a:solidFill>
+                  <a:schemeClr val="accent1">
+                    <a:lumMod val="75000"/>
+                  </a:schemeClr>
+                </a:solidFill>
+              </a:rPr>
+              <a:t> sexual, </a:t>
+            </a:r>
+            <a:r>
+              <a:rPr lang="en-US" dirty="0" err="1">
+                <a:solidFill>
+                  <a:schemeClr val="accent1">
+                    <a:lumMod val="75000"/>
+                  </a:schemeClr>
+                </a:solidFill>
+              </a:rPr>
+              <a:t>discapacidades</a:t>
+            </a:r>
+            <a:r>
+              <a:rPr lang="en-US" dirty="0">
+                <a:solidFill>
+                  <a:schemeClr val="accent1">
+                    <a:lumMod val="75000"/>
+                  </a:schemeClr>
+                </a:solidFill>
+              </a:rPr>
+              <a:t>, </a:t>
+            </a:r>
+            <a:r>
+              <a:rPr lang="en-US" dirty="0" err="1">
+                <a:solidFill>
+                  <a:schemeClr val="accent1">
+                    <a:lumMod val="75000"/>
+                  </a:schemeClr>
+                </a:solidFill>
+              </a:rPr>
+              <a:t>neurodiversidad</a:t>
+            </a:r>
+            <a:r>
+              <a:rPr lang="en-US" dirty="0">
+                <a:solidFill>
+                  <a:schemeClr val="accent1">
+                    <a:lumMod val="75000"/>
+                  </a:schemeClr>
+                </a:solidFill>
+              </a:rPr>
+              <a:t>, </a:t>
+            </a:r>
+            <a:r>
+              <a:rPr lang="en-US" dirty="0" err="1">
+                <a:solidFill>
+                  <a:schemeClr val="accent1">
+                    <a:lumMod val="75000"/>
+                  </a:schemeClr>
+                </a:solidFill>
+              </a:rPr>
+              <a:t>apariencia</a:t>
+            </a:r>
+            <a:r>
+              <a:rPr lang="en-US" dirty="0">
+                <a:solidFill>
+                  <a:schemeClr val="accent1">
+                    <a:lumMod val="75000"/>
+                  </a:schemeClr>
+                </a:solidFill>
+              </a:rPr>
+              <a:t> </a:t>
+            </a:r>
+            <a:r>
+              <a:rPr lang="en-US" dirty="0" err="1">
+                <a:solidFill>
+                  <a:schemeClr val="accent1">
+                    <a:lumMod val="75000"/>
+                  </a:schemeClr>
+                </a:solidFill>
+              </a:rPr>
+              <a:t>física</a:t>
+            </a:r>
+            <a:r>
+              <a:rPr lang="en-US" dirty="0">
+                <a:solidFill>
+                  <a:schemeClr val="accent1">
+                    <a:lumMod val="75000"/>
+                  </a:schemeClr>
+                </a:solidFill>
+              </a:rPr>
+              <a:t>, </a:t>
+            </a:r>
+            <a:r>
+              <a:rPr lang="en-US" dirty="0" err="1">
+                <a:solidFill>
+                  <a:schemeClr val="accent1">
+                    <a:lumMod val="75000"/>
+                  </a:schemeClr>
+                </a:solidFill>
+              </a:rPr>
+              <a:t>tamaño</a:t>
+            </a:r>
+            <a:r>
+              <a:rPr lang="en-US" dirty="0">
+                <a:solidFill>
+                  <a:schemeClr val="accent1">
+                    <a:lumMod val="75000"/>
+                  </a:schemeClr>
+                </a:solidFill>
+              </a:rPr>
+              <a:t> corporal, </a:t>
+            </a:r>
+            <a:r>
+              <a:rPr lang="en-US" dirty="0" err="1">
+                <a:solidFill>
+                  <a:schemeClr val="accent1">
+                    <a:lumMod val="75000"/>
+                  </a:schemeClr>
+                </a:solidFill>
+              </a:rPr>
+              <a:t>etnia</a:t>
+            </a:r>
+            <a:r>
+              <a:rPr lang="en-US" dirty="0">
+                <a:solidFill>
+                  <a:schemeClr val="accent1">
+                    <a:lumMod val="75000"/>
+                  </a:schemeClr>
+                </a:solidFill>
+              </a:rPr>
+              <a:t>, </a:t>
+            </a:r>
+            <a:r>
+              <a:rPr lang="en-US" dirty="0" err="1">
+                <a:solidFill>
+                  <a:schemeClr val="accent1">
+                    <a:lumMod val="75000"/>
+                  </a:schemeClr>
+                </a:solidFill>
+              </a:rPr>
+              <a:t>nacionalidad</a:t>
+            </a:r>
+            <a:r>
+              <a:rPr lang="en-US" dirty="0">
+                <a:solidFill>
+                  <a:schemeClr val="accent1">
+                    <a:lumMod val="75000"/>
+                  </a:schemeClr>
+                </a:solidFill>
+              </a:rPr>
+              <a:t>, </a:t>
+            </a:r>
+            <a:r>
+              <a:rPr lang="en-US" dirty="0" err="1">
+                <a:solidFill>
+                  <a:schemeClr val="accent1">
+                    <a:lumMod val="75000"/>
+                  </a:schemeClr>
+                </a:solidFill>
+              </a:rPr>
+              <a:t>raza</a:t>
+            </a:r>
+            <a:r>
+              <a:rPr lang="en-US" dirty="0">
+                <a:solidFill>
+                  <a:schemeClr val="accent1">
+                    <a:lumMod val="75000"/>
+                  </a:schemeClr>
+                </a:solidFill>
+              </a:rPr>
+              <a:t>, </a:t>
+            </a:r>
+            <a:r>
+              <a:rPr lang="en-US" dirty="0" err="1">
+                <a:solidFill>
+                  <a:schemeClr val="accent1">
+                    <a:lumMod val="75000"/>
+                  </a:schemeClr>
+                </a:solidFill>
+              </a:rPr>
+              <a:t>edad</a:t>
+            </a:r>
+            <a:r>
+              <a:rPr lang="en-US" dirty="0">
+                <a:solidFill>
+                  <a:schemeClr val="accent1">
+                    <a:lumMod val="75000"/>
+                  </a:schemeClr>
+                </a:solidFill>
+              </a:rPr>
+              <a:t>, </a:t>
+            </a:r>
+            <a:r>
+              <a:rPr lang="en-US" dirty="0" err="1">
+                <a:solidFill>
+                  <a:schemeClr val="accent1">
+                    <a:lumMod val="75000"/>
+                  </a:schemeClr>
+                </a:solidFill>
+              </a:rPr>
+              <a:t>religión</a:t>
+            </a:r>
+            <a:r>
+              <a:rPr lang="en-US" dirty="0">
+                <a:solidFill>
+                  <a:schemeClr val="accent1">
+                    <a:lumMod val="75000"/>
+                  </a:schemeClr>
+                </a:solidFill>
+              </a:rPr>
+              <a:t> u </a:t>
+            </a:r>
+            <a:r>
+              <a:rPr lang="en-US" dirty="0" err="1">
+                <a:solidFill>
+                  <a:schemeClr val="accent1">
+                    <a:lumMod val="75000"/>
+                  </a:schemeClr>
+                </a:solidFill>
+              </a:rPr>
+              <a:t>otra</a:t>
+            </a:r>
+            <a:r>
+              <a:rPr lang="en-US" dirty="0">
+                <a:solidFill>
+                  <a:schemeClr val="accent1">
+                    <a:lumMod val="75000"/>
+                  </a:schemeClr>
+                </a:solidFill>
+              </a:rPr>
+              <a:t> </a:t>
+            </a:r>
+            <a:r>
+              <a:rPr lang="en-US" dirty="0" err="1">
+                <a:solidFill>
+                  <a:schemeClr val="accent1">
+                    <a:lumMod val="75000"/>
+                  </a:schemeClr>
+                </a:solidFill>
+              </a:rPr>
+              <a:t>categoría</a:t>
+            </a:r>
+            <a:r>
+              <a:rPr lang="en-US" dirty="0">
+                <a:solidFill>
+                  <a:schemeClr val="accent1">
+                    <a:lumMod val="75000"/>
+                  </a:schemeClr>
+                </a:solidFill>
+              </a:rPr>
+              <a:t> </a:t>
+            </a:r>
+            <a:r>
+              <a:rPr lang="en-US" dirty="0" err="1">
+                <a:solidFill>
+                  <a:schemeClr val="accent1">
+                    <a:lumMod val="75000"/>
+                  </a:schemeClr>
+                </a:solidFill>
+              </a:rPr>
+              <a:t>protegida</a:t>
+            </a:r>
+            <a:r>
+              <a:rPr lang="en-US" dirty="0">
+                <a:solidFill>
+                  <a:schemeClr val="accent1">
+                    <a:lumMod val="75000"/>
+                  </a:schemeClr>
+                </a:solidFill>
+              </a:rPr>
+              <a:t>.</a:t>
+            </a:r>
+          </a:p>
+          <a:p>
+            <a:pPr marL="444445" indent="-444445">
+              <a:defRPr sz="4500">
+                <a:solidFill>
+                  <a:srgbClr val="82C6F5"/>
+                </a:solidFill>
+              </a:defRPr>
+            </a:pPr>
+            <a:r>
+              <a:rPr lang="en-US">
+                <a:solidFill>
+                  <a:schemeClr val="accent1">
+                    <a:lumMod val="75000"/>
+                  </a:schemeClr>
+                </a:solidFill>
+              </a:rPr>
+              <a:t>Las </a:t>
+            </a:r>
+            <a:r>
+              <a:rPr lang="en-US" dirty="0" err="1">
+                <a:solidFill>
+                  <a:schemeClr val="accent1">
+                    <a:lumMod val="75000"/>
+                  </a:schemeClr>
+                </a:solidFill>
+              </a:rPr>
+              <a:t>flutteristas</a:t>
+            </a:r>
+            <a:r>
+              <a:rPr lang="en-US" dirty="0">
+                <a:solidFill>
+                  <a:schemeClr val="accent1">
+                    <a:lumMod val="75000"/>
+                  </a:schemeClr>
+                </a:solidFill>
+              </a:rPr>
+              <a:t> </a:t>
+            </a:r>
+            <a:r>
+              <a:rPr lang="en-US" dirty="0" err="1">
+                <a:solidFill>
+                  <a:schemeClr val="accent1">
+                    <a:lumMod val="75000"/>
+                  </a:schemeClr>
+                </a:solidFill>
+              </a:rPr>
+              <a:t>siguen</a:t>
+            </a:r>
+            <a:r>
+              <a:rPr lang="en-US" dirty="0">
+                <a:solidFill>
+                  <a:schemeClr val="accent1">
+                    <a:lumMod val="75000"/>
+                  </a:schemeClr>
+                </a:solidFill>
+              </a:rPr>
+              <a:t> </a:t>
+            </a:r>
+            <a:r>
+              <a:rPr lang="en-US" dirty="0" err="1">
+                <a:solidFill>
+                  <a:schemeClr val="accent1">
+                    <a:lumMod val="75000"/>
+                  </a:schemeClr>
+                </a:solidFill>
+              </a:rPr>
+              <a:t>los</a:t>
+            </a:r>
+            <a:r>
+              <a:rPr lang="en-US" dirty="0">
+                <a:solidFill>
+                  <a:schemeClr val="accent1">
+                    <a:lumMod val="75000"/>
+                  </a:schemeClr>
+                </a:solidFill>
+              </a:rPr>
+              <a:t> </a:t>
+            </a:r>
+            <a:r>
+              <a:rPr lang="en-US" dirty="0" err="1">
+                <a:solidFill>
+                  <a:schemeClr val="accent1">
+                    <a:lumMod val="75000"/>
+                  </a:schemeClr>
+                </a:solidFill>
+              </a:rPr>
+              <a:t>Lineamientos</a:t>
+            </a:r>
+            <a:r>
+              <a:rPr lang="en-US" dirty="0">
+                <a:solidFill>
+                  <a:schemeClr val="accent1">
+                    <a:lumMod val="75000"/>
+                  </a:schemeClr>
+                </a:solidFill>
+              </a:rPr>
+              <a:t> de la </a:t>
+            </a:r>
+            <a:r>
+              <a:rPr lang="en-US" dirty="0" err="1">
+                <a:solidFill>
+                  <a:schemeClr val="accent1">
+                    <a:lumMod val="75000"/>
+                  </a:schemeClr>
+                </a:solidFill>
+              </a:rPr>
+              <a:t>comunidad</a:t>
+            </a:r>
+            <a:r>
+              <a:rPr lang="en-US" dirty="0">
+                <a:solidFill>
+                  <a:schemeClr val="accent1">
+                    <a:lumMod val="75000"/>
+                  </a:schemeClr>
+                </a:solidFill>
+              </a:rPr>
+              <a:t> Flutter Interact de Google que se </a:t>
+            </a:r>
+            <a:r>
+              <a:rPr lang="en-US" dirty="0" err="1">
+                <a:solidFill>
+                  <a:schemeClr val="accent1">
+                    <a:lumMod val="75000"/>
+                  </a:schemeClr>
+                </a:solidFill>
+              </a:rPr>
+              <a:t>encuentran</a:t>
+            </a:r>
+            <a:r>
+              <a:rPr lang="en-US" dirty="0">
+                <a:solidFill>
+                  <a:schemeClr val="accent1">
+                    <a:lumMod val="75000"/>
+                  </a:schemeClr>
+                </a:solidFill>
+              </a:rPr>
+              <a:t> </a:t>
+            </a:r>
+            <a:r>
+              <a:rPr lang="en-US" dirty="0" err="1">
+                <a:solidFill>
+                  <a:schemeClr val="accent1">
+                    <a:lumMod val="75000"/>
+                  </a:schemeClr>
+                </a:solidFill>
+              </a:rPr>
+              <a:t>en</a:t>
+            </a:r>
+            <a:r>
+              <a:rPr lang="en-US" dirty="0">
+                <a:solidFill>
+                  <a:schemeClr val="accent1">
+                    <a:lumMod val="75000"/>
+                  </a:schemeClr>
+                </a:solidFill>
+              </a:rPr>
+              <a:t> https://</a:t>
+            </a:r>
+            <a:r>
+              <a:rPr lang="en-US" dirty="0" err="1">
+                <a:solidFill>
+                  <a:schemeClr val="accent1">
+                    <a:lumMod val="75000"/>
+                  </a:schemeClr>
+                </a:solidFill>
+              </a:rPr>
+              <a:t>developers.google.com</a:t>
+            </a:r>
+            <a:r>
+              <a:rPr lang="en-US" dirty="0">
+                <a:solidFill>
+                  <a:schemeClr val="accent1">
+                    <a:lumMod val="75000"/>
+                  </a:schemeClr>
+                </a:solidFill>
+              </a:rPr>
+              <a:t>/events/flutter-interact/community-guidelines.</a:t>
+            </a:r>
+            <a:endParaRPr dirty="0">
+              <a:solidFill>
+                <a:schemeClr val="accent1">
+                  <a:lumMod val="75000"/>
+                </a:schemeClr>
+              </a:solidFill>
+            </a:endParaRPr>
+          </a:p>
+        </p:txBody>
+      </p:sp>
+    </p:spTree>
+    <p:extLst>
+      <p:ext uri="{BB962C8B-B14F-4D97-AF65-F5344CB8AC3E}">
+        <p14:creationId xmlns:p14="http://schemas.microsoft.com/office/powerpoint/2010/main" val="1728877661"/>
+      </p:ext>
+    </p:extLst>
+  </p:cSld>
+  <p:clrMapOvr>
+    <a:masterClrMapping/>
+  </p:clrMapOvr>
+  <p:transition spd="med"/>
+  <p:timing>
+    <p:tnLst>
+      <p:par>
+        <p:cTn id="1" dur="indefinite" restart="never" fill="hold" nodeType="tmRoot">
+          <p:childTnLst>
+            <p:seq concurrent="1" prevAc="none" nextAc="seek">
+              <p:cTn id="2" dur="indefinite" fill="hold" nodeType="mainSeq">
+                <p:childTnLst>
+                  <p:par>
+                    <p:cTn id="3" fill="hold">
+                      <p:stCondLst>
+                        <p:cond delay="indefinite"/>
+                      </p:stCondLst>
+                      <p:childTnLst>
+                        <p:par>
+                          <p:cTn id="4" fill="hold">
+                            <p:stCondLst>
+                              <p:cond delay="0"/>
+                            </p:stCondLst>
+                            <p:childTnLst>
+                              <p:par>
+                                <p:cTn id="5" presetID="1" presetClass="entr" presetSubtype="0" fill="hold" grpId="0" nodeType="clickEffect">
+                                  <p:stCondLst>
+                                    <p:cond delay="0"/>
+                                  </p:stCondLst>
+                                  <p:iterate type="lt">
+                                    <p:tmAbs val="100"/>
+                                  </p:iterate>
+                                  <p:childTnLst>
+                                    <p:set>
+                                      <p:cBhvr>
+                                        <p:cTn id="6" fill="hold"/>
+                                        <p:tgtEl>
+                                          <p:spTgt spid="124">
+                                            <p:bg/>
+                                          </p:spTgt>
+                                        </p:tgtEl>
+                                        <p:attrNameLst>
+                                          <p:attrName>style.visibility</p:attrName>
+                                        </p:attrNameLst>
+                                      </p:cBhvr>
+                                      <p:to>
+                                        <p:strVal val="visible"/>
+                                      </p:to>
+                                    </p:set>
+                                  </p:childTnLst>
+                                </p:cTn>
+                              </p:par>
+                            </p:childTnLst>
+                          </p:cTn>
+                        </p:par>
+                        <p:par>
+                          <p:cTn id="7" fill="hold">
+                            <p:stCondLst>
+                              <p:cond delay="0"/>
+                            </p:stCondLst>
+                            <p:childTnLst>
+                              <p:par>
+                                <p:cTn id="8" presetID="1" presetClass="entr" presetSubtype="0" fill="hold" grpId="0" nodeType="afterEffect">
+                                  <p:stCondLst>
+                                    <p:cond delay="0"/>
+                                  </p:stCondLst>
+                                  <p:childTnLst>
+                                    <p:set>
+                                      <p:cBhvr>
+                                        <p:cTn id="9" fill="hold"/>
+                                        <p:tgtEl>
+                                          <p:spTgt spid="124">
+                                            <p:txEl>
+                                              <p:pRg st="0" end="0"/>
+                                            </p:txEl>
+                                          </p:spTgt>
+                                        </p:tgtEl>
+                                        <p:attrNameLst>
+                                          <p:attrName>style.visibility</p:attrName>
+                                        </p:attrNameLst>
+                                      </p:cBhvr>
+                                      <p:to>
+                                        <p:strVal val="visible"/>
+                                      </p:to>
+                                    </p:set>
+                                  </p:childTnLst>
+                                </p:cTn>
+                              </p:par>
+                            </p:childTnLst>
+                          </p:cTn>
+                        </p:par>
+                        <p:par>
+                          <p:cTn id="10" fill="hold">
+                            <p:stCondLst>
+                              <p:cond delay="0"/>
+                            </p:stCondLst>
+                            <p:childTnLst>
+                              <p:par>
+                                <p:cTn id="11" presetID="1" presetClass="entr" presetSubtype="0" fill="hold" grpId="0" nodeType="afterEffect">
+                                  <p:stCondLst>
+                                    <p:cond delay="0"/>
+                                  </p:stCondLst>
+                                  <p:childTnLst>
+                                    <p:set>
+                                      <p:cBhvr>
+                                        <p:cTn id="12" fill="hold"/>
+                                        <p:tgtEl>
+                                          <p:spTgt spid="124">
+                                            <p:txEl>
+                                              <p:pRg st="1" end="1"/>
+                                            </p:txEl>
+                                          </p:spTgt>
+                                        </p:tgtEl>
+                                        <p:attrNameLst>
+                                          <p:attrName>style.visibility</p:attrName>
+                                        </p:attrNameLst>
+                                      </p:cBhvr>
+                                      <p:to>
+                                        <p:strVal val="visible"/>
+                                      </p:to>
+                                    </p:set>
+                                  </p:childTnLst>
+                                </p:cTn>
+                              </p:par>
+                            </p:childTnLst>
+                          </p:cTn>
+                        </p:par>
+                      </p:childTnLst>
+                    </p:cTn>
+                  </p:par>
+                </p:childTnLst>
+              </p:cTn>
+              <p:prevCondLst>
+                <p:cond evt="onPrev" delay="0">
+                  <p:tgtEl>
+                    <p:sldTgt/>
+                  </p:tgtEl>
+                </p:cond>
+              </p:prevCondLst>
+              <p:nextCondLst>
+                <p:cond evt="onNext" delay="0">
+                  <p:tgtEl>
+                    <p:sldTgt/>
+                  </p:tgtEl>
+                </p:cond>
+              </p:nextCondLst>
+            </p:seq>
+          </p:childTnLst>
+        </p:cTn>
+      </p:par>
+    </p:tnLst>
+    <p:bldLst>
+      <p:bldP spid="124" grpId="0" build="p" bldLvl="5" animBg="1" advAuto="0"/>
+    </p:bldLst>
+  </p:timing>
+</p:sld>
+</file>
+
 <file path=ppt/slides/slide2.xml><?xml version="1.0" encoding="utf-8"?>
 <p:sld xmlns:a="http://schemas.openxmlformats.org/drawingml/2006/main" xmlns:r="http://schemas.openxmlformats.org/officeDocument/2006/relationships" xmlns:p="http://schemas.openxmlformats.org/presentationml/2006/main">
   <p:cSld>
-    <p:bg>
-      <p:bgPr>
-        <a:solidFill>
-          <a:schemeClr val="tx1"/>
-        </a:solidFill>
-        <a:effectLst/>
-      </p:bgPr>
-    </p:bg>
     <p:spTree>
       <p:nvGrpSpPr>
         <p:cNvPr id="1" name=""/>
@@ -3550,14 +4735,6 @@
 <file path=ppt/slides/slide3.xml><?xml version="1.0" encoding="utf-8"?>
 <p:sld xmlns:a="http://schemas.openxmlformats.org/drawingml/2006/main" xmlns:r="http://schemas.openxmlformats.org/officeDocument/2006/relationships" xmlns:p="http://schemas.openxmlformats.org/presentationml/2006/main">
   <p:cSld>
-    <p:bg>
-      <p:bgPr>
-        <a:solidFill>
-          <a:schemeClr val="tx1"/>
-        </a:solidFill>
-        <a:effectLst/>
-      </p:bgPr>
-    </p:bg>
     <p:spTree>
       <p:nvGrpSpPr>
         <p:cNvPr id="1" name=""/>
@@ -3791,14 +4968,6 @@
 <file path=ppt/slides/slide4.xml><?xml version="1.0" encoding="utf-8"?>
 <p:sld xmlns:a="http://schemas.openxmlformats.org/drawingml/2006/main" xmlns:r="http://schemas.openxmlformats.org/officeDocument/2006/relationships" xmlns:p="http://schemas.openxmlformats.org/presentationml/2006/main">
   <p:cSld>
-    <p:bg>
-      <p:bgPr>
-        <a:solidFill>
-          <a:schemeClr val="tx1"/>
-        </a:solidFill>
-        <a:effectLst/>
-      </p:bgPr>
-    </p:bg>
     <p:spTree>
       <p:nvGrpSpPr>
         <p:cNvPr id="1" name=""/>
@@ -3865,14 +5034,6 @@
 <file path=ppt/slides/slide5.xml><?xml version="1.0" encoding="utf-8"?>
 <p:sld xmlns:a="http://schemas.openxmlformats.org/drawingml/2006/main" xmlns:r="http://schemas.openxmlformats.org/officeDocument/2006/relationships" xmlns:p="http://schemas.openxmlformats.org/presentationml/2006/main">
   <p:cSld>
-    <p:bg>
-      <p:bgPr>
-        <a:solidFill>
-          <a:schemeClr val="tx1"/>
-        </a:solidFill>
-        <a:effectLst/>
-      </p:bgPr>
-    </p:bg>
     <p:spTree>
       <p:nvGrpSpPr>
         <p:cNvPr id="1" name=""/>
@@ -3951,14 +5112,6 @@
 <file path=ppt/slides/slide6.xml><?xml version="1.0" encoding="utf-8"?>
 <p:sld xmlns:a="http://schemas.openxmlformats.org/drawingml/2006/main" xmlns:r="http://schemas.openxmlformats.org/officeDocument/2006/relationships" xmlns:p="http://schemas.openxmlformats.org/presentationml/2006/main">
   <p:cSld>
-    <p:bg>
-      <p:bgPr>
-        <a:solidFill>
-          <a:schemeClr val="tx1"/>
-        </a:solidFill>
-        <a:effectLst/>
-      </p:bgPr>
-    </p:bg>
     <p:spTree>
       <p:nvGrpSpPr>
         <p:cNvPr id="1" name=""/>
@@ -4289,6 +5442,1907 @@
       <p:bldP spid="124" grpId="0" build="p" bldLvl="5" animBg="1" advAuto="0"/>
     </p:bldLst>
   </p:timing>
+</p:sld>
+</file>
+
+<file path=ppt/slides/slide7.xml><?xml version="1.0" encoding="utf-8"?>
+<p:sld xmlns:a="http://schemas.openxmlformats.org/drawingml/2006/main" xmlns:r="http://schemas.openxmlformats.org/officeDocument/2006/relationships" xmlns:p="http://schemas.openxmlformats.org/presentationml/2006/main">
+  <p:cSld>
+    <p:spTree>
+      <p:nvGrpSpPr>
+        <p:cNvPr id="1" name=""/>
+        <p:cNvGrpSpPr/>
+        <p:nvPr/>
+      </p:nvGrpSpPr>
+      <p:grpSpPr>
+        <a:xfrm>
+          <a:off x="0" y="0"/>
+          <a:ext cx="0" cy="0"/>
+          <a:chOff x="0" y="0"/>
+          <a:chExt cx="0" cy="0"/>
+        </a:xfrm>
+      </p:grpSpPr>
+      <p:sp>
+        <p:nvSpPr>
+          <p:cNvPr id="119" name="Introduction to Flutter"/>
+          <p:cNvSpPr txBox="1">
+            <a:spLocks noGrp="1"/>
+          </p:cNvSpPr>
+          <p:nvPr>
+            <p:ph type="ctrTitle"/>
+          </p:nvPr>
+        </p:nvSpPr>
+        <p:spPr>
+          <a:xfrm>
+            <a:off x="1270001" y="2540002"/>
+            <a:ext cx="10464801" cy="3302000"/>
+          </a:xfrm>
+          <a:prstGeom prst="rect">
+            <a:avLst/>
+          </a:prstGeom>
+        </p:spPr>
+        <p:txBody>
+          <a:bodyPr>
+            <a:normAutofit fontScale="90000"/>
+          </a:bodyPr>
+          <a:lstStyle>
+            <a:lvl1pPr>
+              <a:defRPr>
+                <a:solidFill>
+                  <a:srgbClr val="FFCA00"/>
+                </a:solidFill>
+              </a:defRPr>
+            </a:lvl1pPr>
+          </a:lstStyle>
+          <a:p>
+            <a:r>
+              <a:rPr lang="en-US" dirty="0" err="1">
+                <a:solidFill>
+                  <a:schemeClr val="accent1">
+                    <a:lumMod val="75000"/>
+                  </a:schemeClr>
+                </a:solidFill>
+              </a:rPr>
+              <a:t>Introducción</a:t>
+            </a:r>
+            <a:r>
+              <a:rPr lang="en-US" dirty="0">
+                <a:solidFill>
+                  <a:schemeClr val="accent1">
+                    <a:lumMod val="75000"/>
+                  </a:schemeClr>
+                </a:solidFill>
+              </a:rPr>
+              <a:t> a la </a:t>
+            </a:r>
+            <a:r>
+              <a:rPr lang="en-US" dirty="0" err="1">
+                <a:solidFill>
+                  <a:schemeClr val="accent1">
+                    <a:lumMod val="75000"/>
+                  </a:schemeClr>
+                </a:solidFill>
+              </a:rPr>
+              <a:t>comunidad</a:t>
+            </a:r>
+            <a:r>
+              <a:rPr lang="en-US" dirty="0">
+                <a:solidFill>
+                  <a:schemeClr val="accent1">
+                    <a:lumMod val="75000"/>
+                  </a:schemeClr>
+                </a:solidFill>
+              </a:rPr>
+              <a:t> Flutteristas</a:t>
+            </a:r>
+            <a:endParaRPr dirty="0">
+              <a:solidFill>
+                <a:schemeClr val="accent1">
+                  <a:lumMod val="75000"/>
+                </a:schemeClr>
+              </a:solidFill>
+            </a:endParaRPr>
+          </a:p>
+        </p:txBody>
+      </p:sp>
+      <p:pic>
+        <p:nvPicPr>
+          <p:cNvPr id="121" name="Image Gallery" descr="Image Gallery"/>
+          <p:cNvPicPr>
+            <a:picLocks noChangeAspect="1"/>
+          </p:cNvPicPr>
+          <p:nvPr/>
+        </p:nvPicPr>
+        <p:blipFill>
+          <a:blip r:embed="rId2">
+            <a:extLst/>
+          </a:blip>
+          <a:srcRect t="13430" b="13430"/>
+          <a:stretch>
+            <a:fillRect/>
+          </a:stretch>
+        </p:blipFill>
+        <p:spPr>
+          <a:xfrm>
+            <a:off x="635820" y="7749996"/>
+            <a:ext cx="1635432" cy="1481675"/>
+          </a:xfrm>
+          <a:prstGeom prst="rect">
+            <a:avLst/>
+          </a:prstGeom>
+          <a:ln w="12700">
+            <a:miter lim="400000"/>
+          </a:ln>
+        </p:spPr>
+      </p:pic>
+      <p:pic>
+        <p:nvPicPr>
+          <p:cNvPr id="4" name="Image Gallery">
+            <a:extLst>
+              <a:ext uri="{FF2B5EF4-FFF2-40B4-BE49-F238E27FC236}">
+                <a16:creationId xmlns:a16="http://schemas.microsoft.com/office/drawing/2014/main" id="{F10CF787-41B3-6D45-9D15-5D4B6545F9B1}"/>
+              </a:ext>
+            </a:extLst>
+          </p:cNvPr>
+          <p:cNvPicPr>
+            <a:picLocks noChangeAspect="1"/>
+          </p:cNvPicPr>
+          <p:nvPr/>
+        </p:nvPicPr>
+        <p:blipFill>
+          <a:blip r:embed="rId3">
+            <a:extLst>
+              <a:ext uri="{28A0092B-C50C-407E-A947-70E740481C1C}">
+                <a14:useLocalDpi xmlns:a14="http://schemas.microsoft.com/office/drawing/2010/main" val="0"/>
+              </a:ext>
+            </a:extLst>
+          </a:blip>
+          <a:stretch>
+            <a:fillRect/>
+          </a:stretch>
+        </p:blipFill>
+        <p:spPr>
+          <a:xfrm>
+            <a:off x="9999406" y="7397937"/>
+            <a:ext cx="2281086" cy="1833734"/>
+          </a:xfrm>
+          <a:prstGeom prst="rect">
+            <a:avLst/>
+          </a:prstGeom>
+          <a:ln w="12700">
+            <a:miter lim="400000"/>
+          </a:ln>
+        </p:spPr>
+      </p:pic>
+    </p:spTree>
+    <p:extLst>
+      <p:ext uri="{BB962C8B-B14F-4D97-AF65-F5344CB8AC3E}">
+        <p14:creationId xmlns:p14="http://schemas.microsoft.com/office/powerpoint/2010/main" val="1762079613"/>
+      </p:ext>
+    </p:extLst>
+  </p:cSld>
+  <p:clrMapOvr>
+    <a:masterClrMapping/>
+  </p:clrMapOvr>
+  <p:transition spd="med"/>
+</p:sld>
+</file>
+
+<file path=ppt/slides/slide8.xml><?xml version="1.0" encoding="utf-8"?>
+<p:sld xmlns:a="http://schemas.openxmlformats.org/drawingml/2006/main" xmlns:r="http://schemas.openxmlformats.org/officeDocument/2006/relationships" xmlns:p="http://schemas.openxmlformats.org/presentationml/2006/main">
+  <p:cSld>
+    <p:spTree>
+      <p:nvGrpSpPr>
+        <p:cNvPr id="1" name=""/>
+        <p:cNvGrpSpPr/>
+        <p:nvPr/>
+      </p:nvGrpSpPr>
+      <p:grpSpPr>
+        <a:xfrm>
+          <a:off x="0" y="0"/>
+          <a:ext cx="0" cy="0"/>
+          <a:chOff x="0" y="0"/>
+          <a:chExt cx="0" cy="0"/>
+        </a:xfrm>
+      </p:grpSpPr>
+      <p:sp>
+        <p:nvSpPr>
+          <p:cNvPr id="123" name="What is Flutter?"/>
+          <p:cNvSpPr txBox="1">
+            <a:spLocks noGrp="1"/>
+          </p:cNvSpPr>
+          <p:nvPr>
+            <p:ph type="title"/>
+          </p:nvPr>
+        </p:nvSpPr>
+        <p:spPr>
+          <a:xfrm>
+            <a:off x="952500" y="254001"/>
+            <a:ext cx="11099802" cy="1273260"/>
+          </a:xfrm>
+          <a:prstGeom prst="rect">
+            <a:avLst/>
+          </a:prstGeom>
+        </p:spPr>
+        <p:txBody>
+          <a:bodyPr>
+            <a:noAutofit/>
+          </a:bodyPr>
+          <a:lstStyle>
+            <a:lvl1pPr defTabSz="560831">
+              <a:defRPr sz="7679">
+                <a:solidFill>
+                  <a:srgbClr val="FFCA00"/>
+                </a:solidFill>
+              </a:defRPr>
+            </a:lvl1pPr>
+          </a:lstStyle>
+          <a:p>
+            <a:r>
+              <a:rPr lang="en-US" sz="4799" dirty="0">
+                <a:solidFill>
+                  <a:schemeClr val="accent1">
+                    <a:lumMod val="75000"/>
+                  </a:schemeClr>
+                </a:solidFill>
+              </a:rPr>
+              <a:t>¿</a:t>
+            </a:r>
+            <a:r>
+              <a:rPr lang="en-US" sz="4799" dirty="0" err="1">
+                <a:solidFill>
+                  <a:schemeClr val="accent1">
+                    <a:lumMod val="75000"/>
+                  </a:schemeClr>
+                </a:solidFill>
+              </a:rPr>
+              <a:t>Qué</a:t>
+            </a:r>
+            <a:r>
+              <a:rPr lang="en-US" sz="4799" dirty="0">
+                <a:solidFill>
+                  <a:schemeClr val="accent1">
+                    <a:lumMod val="75000"/>
+                  </a:schemeClr>
+                </a:solidFill>
+              </a:rPr>
+              <a:t> son las </a:t>
+            </a:r>
+            <a:r>
+              <a:rPr lang="en-US" sz="4799" dirty="0" err="1">
+                <a:solidFill>
+                  <a:schemeClr val="accent1">
+                    <a:lumMod val="75000"/>
+                  </a:schemeClr>
+                </a:solidFill>
+              </a:rPr>
+              <a:t>flutteristas</a:t>
+            </a:r>
+            <a:r>
+              <a:rPr lang="en-US" sz="4799" dirty="0">
+                <a:solidFill>
+                  <a:schemeClr val="accent1">
+                    <a:lumMod val="75000"/>
+                  </a:schemeClr>
+                </a:solidFill>
+              </a:rPr>
+              <a:t>?</a:t>
+            </a:r>
+            <a:endParaRPr sz="4799" dirty="0">
+              <a:solidFill>
+                <a:schemeClr val="accent1">
+                  <a:lumMod val="75000"/>
+                </a:schemeClr>
+              </a:solidFill>
+            </a:endParaRPr>
+          </a:p>
+        </p:txBody>
+      </p:sp>
+      <p:sp>
+        <p:nvSpPr>
+          <p:cNvPr id="124" name="Flutter is an Open Source UI Toolkit created by Google to enable developers to build natively compiled mobile, web, and desktop apps with a single codebase.…"/>
+          <p:cNvSpPr txBox="1">
+            <a:spLocks noGrp="1"/>
+          </p:cNvSpPr>
+          <p:nvPr>
+            <p:ph type="body" idx="1"/>
+          </p:nvPr>
+        </p:nvSpPr>
+        <p:spPr>
+          <a:xfrm>
+            <a:off x="693968" y="1347526"/>
+            <a:ext cx="11616866" cy="5628461"/>
+          </a:xfrm>
+          <a:prstGeom prst="rect">
+            <a:avLst/>
+          </a:prstGeom>
+        </p:spPr>
+        <p:txBody>
+          <a:bodyPr>
+            <a:normAutofit lnSpcReduction="10000"/>
+          </a:bodyPr>
+          <a:lstStyle/>
+          <a:p>
+            <a:pPr marL="444445" indent="-444445">
+              <a:defRPr sz="4500">
+                <a:solidFill>
+                  <a:srgbClr val="82C6F5"/>
+                </a:solidFill>
+              </a:defRPr>
+            </a:pPr>
+            <a:r>
+              <a:rPr lang="en-US" dirty="0">
+                <a:solidFill>
+                  <a:schemeClr val="accent1">
+                    <a:lumMod val="75000"/>
+                  </a:schemeClr>
+                </a:solidFill>
+              </a:rPr>
+              <a:t>Las Flutteristas </a:t>
+            </a:r>
+            <a:r>
+              <a:rPr lang="en-US" dirty="0" err="1">
+                <a:solidFill>
+                  <a:schemeClr val="accent1">
+                    <a:lumMod val="75000"/>
+                  </a:schemeClr>
+                </a:solidFill>
+              </a:rPr>
+              <a:t>es</a:t>
+            </a:r>
+            <a:r>
+              <a:rPr lang="en-US" dirty="0">
+                <a:solidFill>
+                  <a:schemeClr val="accent1">
+                    <a:lumMod val="75000"/>
+                  </a:schemeClr>
+                </a:solidFill>
+              </a:rPr>
+              <a:t> </a:t>
+            </a:r>
+            <a:r>
+              <a:rPr lang="en-US" dirty="0" err="1">
+                <a:solidFill>
+                  <a:schemeClr val="accent1">
+                    <a:lumMod val="75000"/>
+                  </a:schemeClr>
+                </a:solidFill>
+              </a:rPr>
+              <a:t>una</a:t>
+            </a:r>
+            <a:r>
+              <a:rPr lang="en-US" dirty="0">
+                <a:solidFill>
+                  <a:schemeClr val="accent1">
+                    <a:lumMod val="75000"/>
+                  </a:schemeClr>
+                </a:solidFill>
+              </a:rPr>
+              <a:t> </a:t>
+            </a:r>
+            <a:r>
+              <a:rPr lang="en-US" dirty="0" err="1">
+                <a:solidFill>
+                  <a:schemeClr val="accent1">
+                    <a:lumMod val="75000"/>
+                  </a:schemeClr>
+                </a:solidFill>
+              </a:rPr>
+              <a:t>comunidad</a:t>
+            </a:r>
+            <a:r>
+              <a:rPr lang="en-US" dirty="0">
+                <a:solidFill>
+                  <a:schemeClr val="accent1">
+                    <a:lumMod val="75000"/>
+                  </a:schemeClr>
+                </a:solidFill>
+              </a:rPr>
+              <a:t> </a:t>
+            </a:r>
+            <a:r>
+              <a:rPr lang="en-US" dirty="0" err="1">
+                <a:solidFill>
+                  <a:schemeClr val="accent1">
+                    <a:lumMod val="75000"/>
+                  </a:schemeClr>
+                </a:solidFill>
+              </a:rPr>
+              <a:t>mundial</a:t>
+            </a:r>
+            <a:r>
+              <a:rPr lang="en-US" dirty="0">
+                <a:solidFill>
+                  <a:schemeClr val="accent1">
+                    <a:lumMod val="75000"/>
+                  </a:schemeClr>
+                </a:solidFill>
+              </a:rPr>
+              <a:t> de personas </a:t>
+            </a:r>
+            <a:r>
+              <a:rPr lang="en-US" dirty="0" err="1">
+                <a:solidFill>
+                  <a:schemeClr val="accent1">
+                    <a:lumMod val="75000"/>
+                  </a:schemeClr>
+                </a:solidFill>
+              </a:rPr>
+              <a:t>cuya</a:t>
+            </a:r>
+            <a:r>
+              <a:rPr lang="en-US" dirty="0">
+                <a:solidFill>
+                  <a:schemeClr val="accent1">
+                    <a:lumMod val="75000"/>
+                  </a:schemeClr>
+                </a:solidFill>
+              </a:rPr>
+              <a:t> </a:t>
+            </a:r>
+            <a:r>
+              <a:rPr lang="en-US" dirty="0" err="1">
+                <a:solidFill>
+                  <a:schemeClr val="accent1">
+                    <a:lumMod val="75000"/>
+                  </a:schemeClr>
+                </a:solidFill>
+              </a:rPr>
+              <a:t>identidad</a:t>
+            </a:r>
+            <a:r>
+              <a:rPr lang="en-US" dirty="0">
+                <a:solidFill>
+                  <a:schemeClr val="accent1">
+                    <a:lumMod val="75000"/>
+                  </a:schemeClr>
+                </a:solidFill>
+              </a:rPr>
+              <a:t> de </a:t>
+            </a:r>
+            <a:r>
+              <a:rPr lang="en-US" dirty="0" err="1">
+                <a:solidFill>
+                  <a:schemeClr val="accent1">
+                    <a:lumMod val="75000"/>
+                  </a:schemeClr>
+                </a:solidFill>
+              </a:rPr>
+              <a:t>género</a:t>
+            </a:r>
+            <a:r>
+              <a:rPr lang="en-US" dirty="0">
+                <a:solidFill>
+                  <a:schemeClr val="accent1">
+                    <a:lumMod val="75000"/>
+                  </a:schemeClr>
+                </a:solidFill>
+              </a:rPr>
+              <a:t> </a:t>
+            </a:r>
+            <a:r>
+              <a:rPr lang="en-US" dirty="0" err="1">
+                <a:solidFill>
+                  <a:schemeClr val="accent1">
+                    <a:lumMod val="75000"/>
+                  </a:schemeClr>
+                </a:solidFill>
+              </a:rPr>
+              <a:t>es</a:t>
+            </a:r>
+            <a:r>
+              <a:rPr lang="en-US" dirty="0">
+                <a:solidFill>
+                  <a:schemeClr val="accent1">
+                    <a:lumMod val="75000"/>
+                  </a:schemeClr>
+                </a:solidFill>
+              </a:rPr>
+              <a:t> </a:t>
+            </a:r>
+            <a:r>
+              <a:rPr lang="en-US" dirty="0" err="1">
+                <a:solidFill>
+                  <a:schemeClr val="accent1">
+                    <a:lumMod val="75000"/>
+                  </a:schemeClr>
+                </a:solidFill>
+              </a:rPr>
+              <a:t>femenina</a:t>
+            </a:r>
+            <a:r>
+              <a:rPr lang="en-US" dirty="0">
+                <a:solidFill>
+                  <a:schemeClr val="accent1">
+                    <a:lumMod val="75000"/>
+                  </a:schemeClr>
+                </a:solidFill>
+              </a:rPr>
+              <a:t> o no </a:t>
+            </a:r>
+            <a:r>
+              <a:rPr lang="en-US" dirty="0" err="1">
+                <a:solidFill>
+                  <a:schemeClr val="accent1">
+                    <a:lumMod val="75000"/>
+                  </a:schemeClr>
+                </a:solidFill>
+              </a:rPr>
+              <a:t>binaria</a:t>
+            </a:r>
+            <a:r>
+              <a:rPr lang="en-US" dirty="0">
+                <a:solidFill>
+                  <a:schemeClr val="accent1">
+                    <a:lumMod val="75000"/>
+                  </a:schemeClr>
+                </a:solidFill>
+              </a:rPr>
+              <a:t> y </a:t>
+            </a:r>
+            <a:r>
+              <a:rPr lang="en-US" dirty="0" err="1">
+                <a:solidFill>
+                  <a:schemeClr val="accent1">
+                    <a:lumMod val="75000"/>
+                  </a:schemeClr>
+                </a:solidFill>
+              </a:rPr>
+              <a:t>tienen</a:t>
+            </a:r>
+            <a:r>
+              <a:rPr lang="en-US" dirty="0">
+                <a:solidFill>
+                  <a:schemeClr val="accent1">
+                    <a:lumMod val="75000"/>
+                  </a:schemeClr>
+                </a:solidFill>
+              </a:rPr>
+              <a:t> </a:t>
+            </a:r>
+            <a:r>
+              <a:rPr lang="en-US" dirty="0" err="1">
+                <a:solidFill>
+                  <a:schemeClr val="accent1">
+                    <a:lumMod val="75000"/>
+                  </a:schemeClr>
+                </a:solidFill>
+              </a:rPr>
+              <a:t>interés</a:t>
+            </a:r>
+            <a:r>
+              <a:rPr lang="en-US" dirty="0">
+                <a:solidFill>
+                  <a:schemeClr val="accent1">
+                    <a:lumMod val="75000"/>
+                  </a:schemeClr>
+                </a:solidFill>
+              </a:rPr>
+              <a:t> </a:t>
+            </a:r>
+            <a:r>
+              <a:rPr lang="en-US" dirty="0" err="1">
+                <a:solidFill>
+                  <a:schemeClr val="accent1">
+                    <a:lumMod val="75000"/>
+                  </a:schemeClr>
+                </a:solidFill>
+              </a:rPr>
+              <a:t>en</a:t>
+            </a:r>
+            <a:r>
+              <a:rPr lang="en-US" dirty="0">
+                <a:solidFill>
+                  <a:schemeClr val="accent1">
+                    <a:lumMod val="75000"/>
+                  </a:schemeClr>
+                </a:solidFill>
+              </a:rPr>
+              <a:t> el SDK de Flutter.</a:t>
+            </a:r>
+          </a:p>
+          <a:p>
+            <a:pPr marL="444445" indent="-444445">
+              <a:defRPr sz="4500">
+                <a:solidFill>
+                  <a:srgbClr val="82C6F5"/>
+                </a:solidFill>
+              </a:defRPr>
+            </a:pPr>
+            <a:r>
+              <a:rPr lang="en-US" dirty="0">
+                <a:solidFill>
+                  <a:schemeClr val="accent1">
+                    <a:lumMod val="75000"/>
+                  </a:schemeClr>
+                </a:solidFill>
+              </a:rPr>
+              <a:t>Las Flutteristas </a:t>
+            </a:r>
+            <a:r>
+              <a:rPr lang="en-US" dirty="0" err="1">
+                <a:solidFill>
+                  <a:schemeClr val="accent1">
+                    <a:lumMod val="75000"/>
+                  </a:schemeClr>
+                </a:solidFill>
+              </a:rPr>
+              <a:t>tienen</a:t>
+            </a:r>
+            <a:r>
+              <a:rPr lang="en-US" dirty="0">
+                <a:solidFill>
+                  <a:schemeClr val="accent1">
+                    <a:lumMod val="75000"/>
+                  </a:schemeClr>
+                </a:solidFill>
+              </a:rPr>
+              <a:t> </a:t>
+            </a:r>
+            <a:r>
+              <a:rPr lang="en-US" dirty="0" err="1">
+                <a:solidFill>
+                  <a:schemeClr val="accent1">
+                    <a:lumMod val="75000"/>
+                  </a:schemeClr>
+                </a:solidFill>
+              </a:rPr>
+              <a:t>una</a:t>
+            </a:r>
+            <a:r>
+              <a:rPr lang="en-US" dirty="0">
+                <a:solidFill>
+                  <a:schemeClr val="accent1">
+                    <a:lumMod val="75000"/>
+                  </a:schemeClr>
+                </a:solidFill>
+              </a:rPr>
+              <a:t> </a:t>
+            </a:r>
+            <a:r>
+              <a:rPr lang="en-US" dirty="0" err="1">
+                <a:solidFill>
+                  <a:schemeClr val="accent1">
+                    <a:lumMod val="75000"/>
+                  </a:schemeClr>
+                </a:solidFill>
+              </a:rPr>
+              <a:t>reunión</a:t>
+            </a:r>
+            <a:r>
+              <a:rPr lang="en-US" dirty="0">
+                <a:solidFill>
+                  <a:schemeClr val="accent1">
+                    <a:lumMod val="75000"/>
+                  </a:schemeClr>
+                </a:solidFill>
+              </a:rPr>
+              <a:t> </a:t>
+            </a:r>
+            <a:r>
+              <a:rPr lang="en-US" dirty="0" err="1">
+                <a:solidFill>
+                  <a:schemeClr val="accent1">
+                    <a:lumMod val="75000"/>
+                  </a:schemeClr>
+                </a:solidFill>
+              </a:rPr>
+              <a:t>mensual</a:t>
+            </a:r>
+            <a:r>
+              <a:rPr lang="en-US" dirty="0">
+                <a:solidFill>
+                  <a:schemeClr val="accent1">
+                    <a:lumMod val="75000"/>
+                  </a:schemeClr>
+                </a:solidFill>
+              </a:rPr>
+              <a:t> que </a:t>
+            </a:r>
+            <a:r>
+              <a:rPr lang="en-US" dirty="0" err="1">
+                <a:solidFill>
+                  <a:schemeClr val="accent1">
+                    <a:lumMod val="75000"/>
+                  </a:schemeClr>
+                </a:solidFill>
+              </a:rPr>
+              <a:t>generalmente</a:t>
+            </a:r>
+            <a:r>
+              <a:rPr lang="en-US" dirty="0">
+                <a:solidFill>
+                  <a:schemeClr val="accent1">
+                    <a:lumMod val="75000"/>
+                  </a:schemeClr>
+                </a:solidFill>
+              </a:rPr>
+              <a:t> </a:t>
+            </a:r>
+            <a:r>
+              <a:rPr lang="en-US" dirty="0" err="1">
+                <a:solidFill>
+                  <a:schemeClr val="accent1">
+                    <a:lumMod val="75000"/>
+                  </a:schemeClr>
+                </a:solidFill>
+              </a:rPr>
+              <a:t>incluye</a:t>
+            </a:r>
+            <a:r>
+              <a:rPr lang="en-US" dirty="0">
+                <a:solidFill>
+                  <a:schemeClr val="accent1">
+                    <a:lumMod val="75000"/>
+                  </a:schemeClr>
+                </a:solidFill>
+              </a:rPr>
+              <a:t> </a:t>
+            </a:r>
+            <a:r>
+              <a:rPr lang="en-US" dirty="0" err="1">
+                <a:solidFill>
+                  <a:schemeClr val="accent1">
+                    <a:lumMod val="75000"/>
+                  </a:schemeClr>
+                </a:solidFill>
+              </a:rPr>
+              <a:t>una</a:t>
+            </a:r>
+            <a:r>
+              <a:rPr lang="en-US" dirty="0">
+                <a:solidFill>
+                  <a:schemeClr val="accent1">
+                    <a:lumMod val="75000"/>
+                  </a:schemeClr>
+                </a:solidFill>
+              </a:rPr>
+              <a:t> </a:t>
+            </a:r>
+            <a:r>
+              <a:rPr lang="en-US" dirty="0" err="1">
+                <a:solidFill>
+                  <a:schemeClr val="accent1">
+                    <a:lumMod val="75000"/>
+                  </a:schemeClr>
+                </a:solidFill>
+              </a:rPr>
+              <a:t>presentación</a:t>
+            </a:r>
+            <a:r>
+              <a:rPr lang="en-US" dirty="0">
+                <a:solidFill>
+                  <a:schemeClr val="accent1">
+                    <a:lumMod val="75000"/>
+                  </a:schemeClr>
+                </a:solidFill>
+              </a:rPr>
+              <a:t> de </a:t>
+            </a:r>
+            <a:r>
+              <a:rPr lang="en-US" dirty="0" err="1">
+                <a:solidFill>
+                  <a:schemeClr val="accent1">
+                    <a:lumMod val="75000"/>
+                  </a:schemeClr>
+                </a:solidFill>
+              </a:rPr>
+              <a:t>los</a:t>
+            </a:r>
+            <a:r>
+              <a:rPr lang="en-US" dirty="0">
+                <a:solidFill>
+                  <a:schemeClr val="accent1">
+                    <a:lumMod val="75000"/>
+                  </a:schemeClr>
+                </a:solidFill>
+              </a:rPr>
+              <a:t> </a:t>
+            </a:r>
+            <a:r>
+              <a:rPr lang="en-US" dirty="0" err="1">
+                <a:solidFill>
+                  <a:schemeClr val="accent1">
+                    <a:lumMod val="75000"/>
+                  </a:schemeClr>
+                </a:solidFill>
+              </a:rPr>
+              <a:t>miembros</a:t>
+            </a:r>
+            <a:r>
+              <a:rPr lang="en-US" dirty="0">
+                <a:solidFill>
+                  <a:schemeClr val="accent1">
+                    <a:lumMod val="75000"/>
+                  </a:schemeClr>
+                </a:solidFill>
+              </a:rPr>
+              <a:t> de la </a:t>
+            </a:r>
+            <a:r>
+              <a:rPr lang="en-US" dirty="0" err="1">
+                <a:solidFill>
+                  <a:schemeClr val="accent1">
+                    <a:lumMod val="75000"/>
+                  </a:schemeClr>
+                </a:solidFill>
+              </a:rPr>
+              <a:t>Comunidad</a:t>
+            </a:r>
+            <a:r>
+              <a:rPr lang="en-US" dirty="0">
+                <a:solidFill>
+                  <a:schemeClr val="accent1">
+                    <a:lumMod val="75000"/>
+                  </a:schemeClr>
+                </a:solidFill>
+              </a:rPr>
+              <a:t> Flutter.</a:t>
+            </a:r>
+            <a:endParaRPr dirty="0">
+              <a:solidFill>
+                <a:schemeClr val="accent1">
+                  <a:lumMod val="75000"/>
+                </a:schemeClr>
+              </a:solidFill>
+            </a:endParaRPr>
+          </a:p>
+        </p:txBody>
+      </p:sp>
+    </p:spTree>
+    <p:extLst>
+      <p:ext uri="{BB962C8B-B14F-4D97-AF65-F5344CB8AC3E}">
+        <p14:creationId xmlns:p14="http://schemas.microsoft.com/office/powerpoint/2010/main" val="3505528320"/>
+      </p:ext>
+    </p:extLst>
+  </p:cSld>
+  <p:clrMapOvr>
+    <a:masterClrMapping/>
+  </p:clrMapOvr>
+  <p:transition spd="med"/>
+  <p:timing>
+    <p:tnLst>
+      <p:par>
+        <p:cTn id="1" dur="indefinite" restart="never" fill="hold" nodeType="tmRoot">
+          <p:childTnLst>
+            <p:seq concurrent="1" prevAc="none" nextAc="seek">
+              <p:cTn id="2" dur="indefinite" fill="hold" nodeType="mainSeq">
+                <p:childTnLst>
+                  <p:par>
+                    <p:cTn id="3" fill="hold">
+                      <p:stCondLst>
+                        <p:cond delay="indefinite"/>
+                      </p:stCondLst>
+                      <p:childTnLst>
+                        <p:par>
+                          <p:cTn id="4" fill="hold">
+                            <p:stCondLst>
+                              <p:cond delay="0"/>
+                            </p:stCondLst>
+                            <p:childTnLst>
+                              <p:par>
+                                <p:cTn id="5" presetID="1" presetClass="entr" presetSubtype="0" fill="hold" grpId="0" nodeType="clickEffect">
+                                  <p:stCondLst>
+                                    <p:cond delay="0"/>
+                                  </p:stCondLst>
+                                  <p:iterate type="lt">
+                                    <p:tmAbs val="100"/>
+                                  </p:iterate>
+                                  <p:childTnLst>
+                                    <p:set>
+                                      <p:cBhvr>
+                                        <p:cTn id="6" fill="hold"/>
+                                        <p:tgtEl>
+                                          <p:spTgt spid="124">
+                                            <p:bg/>
+                                          </p:spTgt>
+                                        </p:tgtEl>
+                                        <p:attrNameLst>
+                                          <p:attrName>style.visibility</p:attrName>
+                                        </p:attrNameLst>
+                                      </p:cBhvr>
+                                      <p:to>
+                                        <p:strVal val="visible"/>
+                                      </p:to>
+                                    </p:set>
+                                  </p:childTnLst>
+                                </p:cTn>
+                              </p:par>
+                            </p:childTnLst>
+                          </p:cTn>
+                        </p:par>
+                        <p:par>
+                          <p:cTn id="7" fill="hold">
+                            <p:stCondLst>
+                              <p:cond delay="0"/>
+                            </p:stCondLst>
+                            <p:childTnLst>
+                              <p:par>
+                                <p:cTn id="8" presetID="1" presetClass="entr" presetSubtype="0" fill="hold" grpId="0" nodeType="afterEffect">
+                                  <p:stCondLst>
+                                    <p:cond delay="0"/>
+                                  </p:stCondLst>
+                                  <p:childTnLst>
+                                    <p:set>
+                                      <p:cBhvr>
+                                        <p:cTn id="9" fill="hold"/>
+                                        <p:tgtEl>
+                                          <p:spTgt spid="124">
+                                            <p:txEl>
+                                              <p:pRg st="0" end="0"/>
+                                            </p:txEl>
+                                          </p:spTgt>
+                                        </p:tgtEl>
+                                        <p:attrNameLst>
+                                          <p:attrName>style.visibility</p:attrName>
+                                        </p:attrNameLst>
+                                      </p:cBhvr>
+                                      <p:to>
+                                        <p:strVal val="visible"/>
+                                      </p:to>
+                                    </p:set>
+                                  </p:childTnLst>
+                                </p:cTn>
+                              </p:par>
+                            </p:childTnLst>
+                          </p:cTn>
+                        </p:par>
+                      </p:childTnLst>
+                    </p:cTn>
+                  </p:par>
+                </p:childTnLst>
+              </p:cTn>
+              <p:prevCondLst>
+                <p:cond evt="onPrev" delay="0">
+                  <p:tgtEl>
+                    <p:sldTgt/>
+                  </p:tgtEl>
+                </p:cond>
+              </p:prevCondLst>
+              <p:nextCondLst>
+                <p:cond evt="onNext" delay="0">
+                  <p:tgtEl>
+                    <p:sldTgt/>
+                  </p:tgtEl>
+                </p:cond>
+              </p:nextCondLst>
+            </p:seq>
+          </p:childTnLst>
+        </p:cTn>
+      </p:par>
+    </p:tnLst>
+    <p:bldLst>
+      <p:bldP spid="124" grpId="0" uiExpand="1" build="p" bldLvl="5" animBg="1" advAuto="0"/>
+    </p:bldLst>
+  </p:timing>
+</p:sld>
+</file>
+
+<file path=ppt/slides/slide9.xml><?xml version="1.0" encoding="utf-8"?>
+<p:sld xmlns:a="http://schemas.openxmlformats.org/drawingml/2006/main" xmlns:r="http://schemas.openxmlformats.org/officeDocument/2006/relationships" xmlns:p="http://schemas.openxmlformats.org/presentationml/2006/main">
+  <p:cSld>
+    <p:spTree>
+      <p:nvGrpSpPr>
+        <p:cNvPr id="1" name=""/>
+        <p:cNvGrpSpPr/>
+        <p:nvPr/>
+      </p:nvGrpSpPr>
+      <p:grpSpPr>
+        <a:xfrm>
+          <a:off x="0" y="0"/>
+          <a:ext cx="0" cy="0"/>
+          <a:chOff x="0" y="0"/>
+          <a:chExt cx="0" cy="0"/>
+        </a:xfrm>
+      </p:grpSpPr>
+      <p:sp>
+        <p:nvSpPr>
+          <p:cNvPr id="205" name="Stef’s contact info"/>
+          <p:cNvSpPr txBox="1">
+            <a:spLocks noGrp="1"/>
+          </p:cNvSpPr>
+          <p:nvPr>
+            <p:ph type="title"/>
+          </p:nvPr>
+        </p:nvSpPr>
+        <p:spPr>
+          <a:xfrm>
+            <a:off x="952500" y="254003"/>
+            <a:ext cx="11099802" cy="1270859"/>
+          </a:xfrm>
+          <a:prstGeom prst="rect">
+            <a:avLst/>
+          </a:prstGeom>
+        </p:spPr>
+        <p:txBody>
+          <a:bodyPr>
+            <a:normAutofit fontScale="90000"/>
+          </a:bodyPr>
+          <a:lstStyle>
+            <a:lvl1pPr defTabSz="560831">
+              <a:defRPr sz="7679">
+                <a:solidFill>
+                  <a:srgbClr val="FFCA00"/>
+                </a:solidFill>
+              </a:defRPr>
+            </a:lvl1pPr>
+          </a:lstStyle>
+          <a:p>
+            <a:r>
+              <a:rPr lang="en-US" dirty="0" err="1">
+                <a:solidFill>
+                  <a:schemeClr val="accent1">
+                    <a:lumMod val="75000"/>
+                  </a:schemeClr>
+                </a:solidFill>
+              </a:rPr>
+              <a:t>Interesado</a:t>
+            </a:r>
+            <a:r>
+              <a:rPr lang="en-US" dirty="0">
+                <a:solidFill>
+                  <a:schemeClr val="accent1">
+                    <a:lumMod val="75000"/>
+                  </a:schemeClr>
+                </a:solidFill>
+              </a:rPr>
+              <a:t> </a:t>
+            </a:r>
+            <a:r>
+              <a:rPr lang="en-US" dirty="0" err="1">
+                <a:solidFill>
+                  <a:schemeClr val="accent1">
+                    <a:lumMod val="75000"/>
+                  </a:schemeClr>
+                </a:solidFill>
+              </a:rPr>
+              <a:t>en</a:t>
+            </a:r>
+            <a:r>
+              <a:rPr lang="en-US" dirty="0">
+                <a:solidFill>
+                  <a:schemeClr val="accent1">
+                    <a:lumMod val="75000"/>
+                  </a:schemeClr>
+                </a:solidFill>
+              </a:rPr>
+              <a:t> </a:t>
+            </a:r>
+            <a:r>
+              <a:rPr lang="en-US" dirty="0" err="1">
+                <a:solidFill>
+                  <a:schemeClr val="accent1">
+                    <a:lumMod val="75000"/>
+                  </a:schemeClr>
+                </a:solidFill>
+              </a:rPr>
+              <a:t>unirse</a:t>
+            </a:r>
+            <a:r>
+              <a:rPr lang="en-US" dirty="0">
+                <a:solidFill>
+                  <a:schemeClr val="accent1">
+                    <a:lumMod val="75000"/>
+                  </a:schemeClr>
+                </a:solidFill>
+              </a:rPr>
+              <a:t>?</a:t>
+            </a:r>
+            <a:endParaRPr dirty="0">
+              <a:solidFill>
+                <a:schemeClr val="accent1">
+                  <a:lumMod val="75000"/>
+                </a:schemeClr>
+              </a:solidFill>
+            </a:endParaRPr>
+          </a:p>
+        </p:txBody>
+      </p:sp>
+      <p:sp>
+        <p:nvSpPr>
+          <p:cNvPr id="206" name="Twitter: @GeekMeSpeakStef…"/>
+          <p:cNvSpPr txBox="1">
+            <a:spLocks noGrp="1"/>
+          </p:cNvSpPr>
+          <p:nvPr>
+            <p:ph type="body" idx="1"/>
+          </p:nvPr>
+        </p:nvSpPr>
+        <p:spPr>
+          <a:xfrm>
+            <a:off x="694934" y="1536414"/>
+            <a:ext cx="11614935" cy="7364699"/>
+          </a:xfrm>
+          <a:prstGeom prst="rect">
+            <a:avLst/>
+          </a:prstGeom>
+        </p:spPr>
+        <p:txBody>
+          <a:bodyPr>
+            <a:noAutofit/>
+          </a:bodyPr>
+          <a:lstStyle/>
+          <a:p>
+            <a:pPr marL="346667" indent="-346667" defTabSz="455620">
+              <a:spcBef>
+                <a:spcPts val="3200"/>
+              </a:spcBef>
+              <a:defRPr sz="3509">
+                <a:solidFill>
+                  <a:srgbClr val="00C6FE"/>
+                </a:solidFill>
+              </a:defRPr>
+            </a:pPr>
+            <a:r>
+              <a:rPr lang="en-US" sz="3999" dirty="0">
+                <a:solidFill>
+                  <a:schemeClr val="accent1">
+                    <a:lumMod val="75000"/>
+                  </a:schemeClr>
+                </a:solidFill>
+              </a:rPr>
+              <a:t>¿</a:t>
+            </a:r>
+            <a:r>
+              <a:rPr lang="en-US" sz="3999" dirty="0" err="1">
+                <a:solidFill>
+                  <a:schemeClr val="accent1">
+                    <a:lumMod val="75000"/>
+                  </a:schemeClr>
+                </a:solidFill>
+              </a:rPr>
+              <a:t>Estás</a:t>
+            </a:r>
+            <a:r>
+              <a:rPr lang="en-US" sz="3999" dirty="0">
+                <a:solidFill>
+                  <a:schemeClr val="accent1">
+                    <a:lumMod val="75000"/>
+                  </a:schemeClr>
+                </a:solidFill>
+              </a:rPr>
+              <a:t> </a:t>
+            </a:r>
+            <a:r>
+              <a:rPr lang="en-US" sz="3999" dirty="0" err="1">
+                <a:solidFill>
+                  <a:schemeClr val="accent1">
+                    <a:lumMod val="75000"/>
+                  </a:schemeClr>
+                </a:solidFill>
+              </a:rPr>
+              <a:t>interesado</a:t>
+            </a:r>
+            <a:r>
+              <a:rPr lang="en-US" sz="3999" dirty="0">
+                <a:solidFill>
+                  <a:schemeClr val="accent1">
+                    <a:lumMod val="75000"/>
+                  </a:schemeClr>
+                </a:solidFill>
+              </a:rPr>
+              <a:t> </a:t>
+            </a:r>
+            <a:r>
+              <a:rPr lang="en-US" sz="3999" dirty="0" err="1">
+                <a:solidFill>
+                  <a:schemeClr val="accent1">
+                    <a:lumMod val="75000"/>
+                  </a:schemeClr>
+                </a:solidFill>
+              </a:rPr>
+              <a:t>en</a:t>
+            </a:r>
+            <a:r>
+              <a:rPr lang="en-US" sz="3999" dirty="0">
+                <a:solidFill>
+                  <a:schemeClr val="accent1">
+                    <a:lumMod val="75000"/>
+                  </a:schemeClr>
+                </a:solidFill>
+              </a:rPr>
+              <a:t> </a:t>
+            </a:r>
+            <a:r>
+              <a:rPr lang="en-US" sz="3999" dirty="0" err="1">
+                <a:solidFill>
+                  <a:schemeClr val="accent1">
+                    <a:lumMod val="75000"/>
+                  </a:schemeClr>
+                </a:solidFill>
+              </a:rPr>
+              <a:t>unirte</a:t>
+            </a:r>
+            <a:r>
+              <a:rPr lang="en-US" sz="3999" dirty="0">
+                <a:solidFill>
+                  <a:schemeClr val="accent1">
+                    <a:lumMod val="75000"/>
+                  </a:schemeClr>
+                </a:solidFill>
+              </a:rPr>
+              <a:t> a las Flutteristas?</a:t>
+            </a:r>
+          </a:p>
+          <a:p>
+            <a:pPr marL="346667" indent="-346667" defTabSz="455620">
+              <a:spcBef>
+                <a:spcPts val="3200"/>
+              </a:spcBef>
+              <a:defRPr sz="3509">
+                <a:solidFill>
+                  <a:srgbClr val="00C6FE"/>
+                </a:solidFill>
+              </a:defRPr>
+            </a:pPr>
+            <a:r>
+              <a:rPr lang="en-US" sz="3999" dirty="0">
+                <a:solidFill>
+                  <a:schemeClr val="accent1">
+                    <a:lumMod val="75000"/>
+                  </a:schemeClr>
+                </a:solidFill>
+              </a:rPr>
+              <a:t>¿Se </a:t>
+            </a:r>
+            <a:r>
+              <a:rPr lang="en-US" sz="3999" dirty="0" err="1">
+                <a:solidFill>
+                  <a:schemeClr val="accent1">
+                    <a:lumMod val="75000"/>
+                  </a:schemeClr>
+                </a:solidFill>
+              </a:rPr>
+              <a:t>identifica</a:t>
+            </a:r>
+            <a:r>
+              <a:rPr lang="en-US" sz="3999" dirty="0">
+                <a:solidFill>
+                  <a:schemeClr val="accent1">
+                    <a:lumMod val="75000"/>
+                  </a:schemeClr>
+                </a:solidFill>
+              </a:rPr>
+              <a:t> * </a:t>
+            </a:r>
+            <a:r>
+              <a:rPr lang="en-US" sz="3999" dirty="0" err="1">
+                <a:solidFill>
+                  <a:schemeClr val="accent1">
+                    <a:lumMod val="75000"/>
+                  </a:schemeClr>
+                </a:solidFill>
+              </a:rPr>
+              <a:t>como</a:t>
+            </a:r>
+            <a:r>
+              <a:rPr lang="en-US" sz="3999" dirty="0">
+                <a:solidFill>
+                  <a:schemeClr val="accent1">
+                    <a:lumMod val="75000"/>
+                  </a:schemeClr>
+                </a:solidFill>
+              </a:rPr>
+              <a:t> </a:t>
+            </a:r>
+            <a:r>
+              <a:rPr lang="en-US" sz="3999" dirty="0" err="1">
+                <a:solidFill>
+                  <a:schemeClr val="accent1">
+                    <a:lumMod val="75000"/>
+                  </a:schemeClr>
+                </a:solidFill>
+              </a:rPr>
+              <a:t>mujer</a:t>
+            </a:r>
+            <a:r>
+              <a:rPr lang="en-US" sz="3999" dirty="0">
+                <a:solidFill>
+                  <a:schemeClr val="accent1">
+                    <a:lumMod val="75000"/>
+                  </a:schemeClr>
+                </a:solidFill>
+              </a:rPr>
+              <a:t> o no </a:t>
+            </a:r>
+            <a:r>
+              <a:rPr lang="en-US" sz="3999" dirty="0" err="1">
+                <a:solidFill>
+                  <a:schemeClr val="accent1">
+                    <a:lumMod val="75000"/>
+                  </a:schemeClr>
+                </a:solidFill>
+              </a:rPr>
+              <a:t>binaria</a:t>
+            </a:r>
+            <a:r>
+              <a:rPr lang="en-US" sz="3999" dirty="0">
+                <a:solidFill>
+                  <a:schemeClr val="accent1">
+                    <a:lumMod val="75000"/>
+                  </a:schemeClr>
+                </a:solidFill>
+              </a:rPr>
+              <a:t> que </a:t>
+            </a:r>
+            <a:r>
+              <a:rPr lang="en-US" sz="3999" dirty="0" err="1">
+                <a:solidFill>
+                  <a:schemeClr val="accent1">
+                    <a:lumMod val="75000"/>
+                  </a:schemeClr>
+                </a:solidFill>
+              </a:rPr>
+              <a:t>tiene</a:t>
+            </a:r>
+            <a:r>
+              <a:rPr lang="en-US" sz="3999" dirty="0">
+                <a:solidFill>
+                  <a:schemeClr val="accent1">
+                    <a:lumMod val="75000"/>
+                  </a:schemeClr>
+                </a:solidFill>
+              </a:rPr>
+              <a:t> </a:t>
+            </a:r>
+            <a:r>
+              <a:rPr lang="en-US" sz="3999" dirty="0" err="1">
+                <a:solidFill>
+                  <a:schemeClr val="accent1">
+                    <a:lumMod val="75000"/>
+                  </a:schemeClr>
+                </a:solidFill>
+              </a:rPr>
+              <a:t>interés</a:t>
+            </a:r>
+            <a:r>
+              <a:rPr lang="en-US" sz="3999" dirty="0">
+                <a:solidFill>
+                  <a:schemeClr val="accent1">
+                    <a:lumMod val="75000"/>
+                  </a:schemeClr>
+                </a:solidFill>
+              </a:rPr>
+              <a:t> </a:t>
+            </a:r>
+            <a:r>
+              <a:rPr lang="en-US" sz="3999" dirty="0" err="1">
+                <a:solidFill>
+                  <a:schemeClr val="accent1">
+                    <a:lumMod val="75000"/>
+                  </a:schemeClr>
+                </a:solidFill>
+              </a:rPr>
+              <a:t>en</a:t>
+            </a:r>
+            <a:r>
+              <a:rPr lang="en-US" sz="3999" dirty="0">
+                <a:solidFill>
+                  <a:schemeClr val="accent1">
+                    <a:lumMod val="75000"/>
+                  </a:schemeClr>
+                </a:solidFill>
+              </a:rPr>
+              <a:t> el SDK de Flutter?</a:t>
+            </a:r>
+          </a:p>
+          <a:p>
+            <a:pPr marL="346667" indent="-346667" defTabSz="455620">
+              <a:spcBef>
+                <a:spcPts val="3200"/>
+              </a:spcBef>
+              <a:defRPr sz="3509">
+                <a:solidFill>
+                  <a:srgbClr val="00C6FE"/>
+                </a:solidFill>
+              </a:defRPr>
+            </a:pPr>
+            <a:r>
+              <a:rPr lang="en-US" sz="3999" dirty="0">
+                <a:solidFill>
+                  <a:schemeClr val="accent1">
+                    <a:lumMod val="75000"/>
+                  </a:schemeClr>
+                </a:solidFill>
+              </a:rPr>
+              <a:t>¿</a:t>
+            </a:r>
+            <a:r>
+              <a:rPr lang="en-US" sz="3999" dirty="0" err="1">
+                <a:solidFill>
+                  <a:schemeClr val="accent1">
+                    <a:lumMod val="75000"/>
+                  </a:schemeClr>
+                </a:solidFill>
+              </a:rPr>
+              <a:t>Estás</a:t>
+            </a:r>
+            <a:r>
+              <a:rPr lang="en-US" sz="3999" dirty="0">
+                <a:solidFill>
+                  <a:schemeClr val="accent1">
+                    <a:lumMod val="75000"/>
+                  </a:schemeClr>
+                </a:solidFill>
+              </a:rPr>
+              <a:t> de </a:t>
+            </a:r>
+            <a:r>
+              <a:rPr lang="en-US" sz="3999" dirty="0" err="1">
+                <a:solidFill>
+                  <a:schemeClr val="accent1">
+                    <a:lumMod val="75000"/>
+                  </a:schemeClr>
+                </a:solidFill>
+              </a:rPr>
+              <a:t>acuerdo</a:t>
+            </a:r>
+            <a:r>
+              <a:rPr lang="en-US" sz="3999" dirty="0">
+                <a:solidFill>
+                  <a:schemeClr val="accent1">
+                    <a:lumMod val="75000"/>
+                  </a:schemeClr>
+                </a:solidFill>
+              </a:rPr>
+              <a:t> con el Código de </a:t>
+            </a:r>
+            <a:r>
+              <a:rPr lang="en-US" sz="3999" dirty="0" err="1">
+                <a:solidFill>
+                  <a:schemeClr val="accent1">
+                    <a:lumMod val="75000"/>
+                  </a:schemeClr>
+                </a:solidFill>
+              </a:rPr>
+              <a:t>Conducta</a:t>
+            </a:r>
+            <a:r>
+              <a:rPr lang="en-US" sz="3999" dirty="0">
+                <a:solidFill>
+                  <a:schemeClr val="accent1">
+                    <a:lumMod val="75000"/>
+                  </a:schemeClr>
+                </a:solidFill>
+              </a:rPr>
+              <a:t> de Flutteristas (</a:t>
+            </a:r>
+            <a:r>
+              <a:rPr lang="en-US" sz="3999" dirty="0" err="1">
+                <a:solidFill>
+                  <a:schemeClr val="accent1">
+                    <a:lumMod val="75000"/>
+                  </a:schemeClr>
+                </a:solidFill>
+              </a:rPr>
+              <a:t>ver</a:t>
+            </a:r>
+            <a:r>
+              <a:rPr lang="en-US" sz="3999" dirty="0">
+                <a:solidFill>
+                  <a:schemeClr val="accent1">
+                    <a:lumMod val="75000"/>
+                  </a:schemeClr>
+                </a:solidFill>
+              </a:rPr>
+              <a:t> </a:t>
+            </a:r>
+            <a:r>
+              <a:rPr lang="en-US" sz="3999" dirty="0" err="1">
+                <a:solidFill>
+                  <a:schemeClr val="accent1">
+                    <a:lumMod val="75000"/>
+                  </a:schemeClr>
+                </a:solidFill>
+              </a:rPr>
+              <a:t>siguiente</a:t>
+            </a:r>
+            <a:r>
+              <a:rPr lang="en-US" sz="3999" dirty="0">
+                <a:solidFill>
+                  <a:schemeClr val="accent1">
+                    <a:lumMod val="75000"/>
+                  </a:schemeClr>
+                </a:solidFill>
+              </a:rPr>
+              <a:t> </a:t>
+            </a:r>
+            <a:r>
+              <a:rPr lang="en-US" sz="3999" dirty="0" err="1">
+                <a:solidFill>
+                  <a:schemeClr val="accent1">
+                    <a:lumMod val="75000"/>
+                  </a:schemeClr>
+                </a:solidFill>
+              </a:rPr>
+              <a:t>diapositiva</a:t>
+            </a:r>
+            <a:r>
+              <a:rPr lang="en-US" sz="3999" dirty="0">
+                <a:solidFill>
+                  <a:schemeClr val="accent1">
+                    <a:lumMod val="75000"/>
+                  </a:schemeClr>
+                </a:solidFill>
+              </a:rPr>
+              <a:t>)?</a:t>
+            </a:r>
+          </a:p>
+          <a:p>
+            <a:pPr marL="346667" indent="-346667" defTabSz="455620">
+              <a:spcBef>
+                <a:spcPts val="3200"/>
+              </a:spcBef>
+              <a:defRPr sz="3509">
+                <a:solidFill>
+                  <a:srgbClr val="00C6FE"/>
+                </a:solidFill>
+              </a:defRPr>
+            </a:pPr>
+            <a:r>
+              <a:rPr lang="en-US" sz="3999" dirty="0">
+                <a:solidFill>
+                  <a:schemeClr val="accent1">
+                    <a:lumMod val="75000"/>
+                  </a:schemeClr>
+                </a:solidFill>
+              </a:rPr>
+              <a:t>Si </a:t>
+            </a:r>
+            <a:r>
+              <a:rPr lang="en-US" sz="3999" dirty="0" err="1">
+                <a:solidFill>
+                  <a:schemeClr val="accent1">
+                    <a:lumMod val="75000"/>
+                  </a:schemeClr>
+                </a:solidFill>
+              </a:rPr>
+              <a:t>respondió</a:t>
+            </a:r>
+            <a:r>
+              <a:rPr lang="en-US" sz="3999" dirty="0">
+                <a:solidFill>
+                  <a:schemeClr val="accent1">
+                    <a:lumMod val="75000"/>
+                  </a:schemeClr>
+                </a:solidFill>
+              </a:rPr>
+              <a:t> "</a:t>
+            </a:r>
+            <a:r>
+              <a:rPr lang="en-US" sz="3999" dirty="0" err="1">
+                <a:solidFill>
+                  <a:schemeClr val="accent1">
+                    <a:lumMod val="75000"/>
+                  </a:schemeClr>
+                </a:solidFill>
+              </a:rPr>
+              <a:t>sí</a:t>
+            </a:r>
+            <a:r>
+              <a:rPr lang="en-US" sz="3999" dirty="0">
+                <a:solidFill>
+                  <a:schemeClr val="accent1">
+                    <a:lumMod val="75000"/>
+                  </a:schemeClr>
+                </a:solidFill>
+              </a:rPr>
+              <a:t>" a las </a:t>
+            </a:r>
+            <a:r>
+              <a:rPr lang="en-US" sz="3999" dirty="0" err="1">
+                <a:solidFill>
+                  <a:schemeClr val="accent1">
+                    <a:lumMod val="75000"/>
+                  </a:schemeClr>
+                </a:solidFill>
+              </a:rPr>
+              <a:t>tres</a:t>
+            </a:r>
+            <a:r>
+              <a:rPr lang="en-US" sz="3999" dirty="0">
+                <a:solidFill>
+                  <a:schemeClr val="accent1">
+                    <a:lumMod val="75000"/>
+                  </a:schemeClr>
+                </a:solidFill>
+              </a:rPr>
+              <a:t> </a:t>
+            </a:r>
+            <a:r>
+              <a:rPr lang="en-US" sz="3999" dirty="0" err="1">
+                <a:solidFill>
+                  <a:schemeClr val="accent1">
+                    <a:lumMod val="75000"/>
+                  </a:schemeClr>
+                </a:solidFill>
+              </a:rPr>
+              <a:t>preguntas</a:t>
+            </a:r>
+            <a:r>
+              <a:rPr lang="en-US" sz="3999" dirty="0">
+                <a:solidFill>
+                  <a:schemeClr val="accent1">
+                    <a:lumMod val="75000"/>
+                  </a:schemeClr>
+                </a:solidFill>
+              </a:rPr>
+              <a:t>, </a:t>
+            </a:r>
+            <a:r>
+              <a:rPr lang="en-US" sz="3999" dirty="0" err="1">
+                <a:solidFill>
+                  <a:schemeClr val="accent1">
+                    <a:lumMod val="75000"/>
+                  </a:schemeClr>
+                </a:solidFill>
+              </a:rPr>
+              <a:t>envíe</a:t>
+            </a:r>
+            <a:r>
+              <a:rPr lang="en-US" sz="3999" dirty="0">
+                <a:solidFill>
+                  <a:schemeClr val="accent1">
+                    <a:lumMod val="75000"/>
+                  </a:schemeClr>
+                </a:solidFill>
+              </a:rPr>
+              <a:t> un </a:t>
+            </a:r>
+            <a:r>
+              <a:rPr lang="en-US" sz="3999" dirty="0" err="1">
+                <a:solidFill>
+                  <a:schemeClr val="accent1">
+                    <a:lumMod val="75000"/>
+                  </a:schemeClr>
+                </a:solidFill>
+              </a:rPr>
+              <a:t>correo</a:t>
+            </a:r>
+            <a:r>
+              <a:rPr lang="en-US" sz="3999" dirty="0">
+                <a:solidFill>
+                  <a:schemeClr val="accent1">
+                    <a:lumMod val="75000"/>
+                  </a:schemeClr>
+                </a:solidFill>
+              </a:rPr>
+              <a:t> </a:t>
+            </a:r>
+            <a:r>
+              <a:rPr lang="en-US" sz="3999" dirty="0" err="1">
+                <a:solidFill>
+                  <a:schemeClr val="accent1">
+                    <a:lumMod val="75000"/>
+                  </a:schemeClr>
+                </a:solidFill>
+              </a:rPr>
+              <a:t>electrónico</a:t>
+            </a:r>
+            <a:r>
+              <a:rPr lang="en-US" sz="3999" dirty="0">
+                <a:solidFill>
+                  <a:schemeClr val="accent1">
+                    <a:lumMod val="75000"/>
+                  </a:schemeClr>
+                </a:solidFill>
+              </a:rPr>
+              <a:t> a </a:t>
+            </a:r>
+            <a:r>
+              <a:rPr lang="en-US" sz="3999" dirty="0" err="1">
+                <a:solidFill>
+                  <a:schemeClr val="accent1">
+                    <a:lumMod val="75000"/>
+                  </a:schemeClr>
+                </a:solidFill>
+              </a:rPr>
+              <a:t>flutteristas@gmail.com</a:t>
+            </a:r>
+            <a:r>
+              <a:rPr lang="en-US" sz="3999" dirty="0">
+                <a:solidFill>
+                  <a:schemeClr val="accent1">
+                    <a:lumMod val="75000"/>
+                  </a:schemeClr>
+                </a:solidFill>
+              </a:rPr>
+              <a:t>. Se </a:t>
+            </a:r>
+            <a:r>
+              <a:rPr lang="en-US" sz="3999" dirty="0" err="1">
+                <a:solidFill>
+                  <a:schemeClr val="accent1">
+                    <a:lumMod val="75000"/>
+                  </a:schemeClr>
+                </a:solidFill>
+              </a:rPr>
+              <a:t>recomienda</a:t>
+            </a:r>
+            <a:r>
+              <a:rPr lang="en-US" sz="3999" dirty="0">
+                <a:solidFill>
+                  <a:schemeClr val="accent1">
+                    <a:lumMod val="75000"/>
+                  </a:schemeClr>
+                </a:solidFill>
+              </a:rPr>
+              <a:t> </a:t>
+            </a:r>
+            <a:r>
+              <a:rPr lang="en-US" sz="3999" dirty="0" err="1">
+                <a:solidFill>
+                  <a:schemeClr val="accent1">
+                    <a:lumMod val="75000"/>
+                  </a:schemeClr>
+                </a:solidFill>
+              </a:rPr>
+              <a:t>usar</a:t>
+            </a:r>
+            <a:r>
+              <a:rPr lang="en-US" sz="3999" dirty="0">
+                <a:solidFill>
+                  <a:schemeClr val="accent1">
+                    <a:lumMod val="75000"/>
+                  </a:schemeClr>
+                </a:solidFill>
+              </a:rPr>
+              <a:t> </a:t>
+            </a:r>
+            <a:r>
+              <a:rPr lang="en-US" sz="3999" dirty="0" err="1">
+                <a:solidFill>
+                  <a:schemeClr val="accent1">
+                    <a:lumMod val="75000"/>
+                  </a:schemeClr>
+                </a:solidFill>
+              </a:rPr>
+              <a:t>una</a:t>
+            </a:r>
+            <a:r>
+              <a:rPr lang="en-US" sz="3999" dirty="0">
+                <a:solidFill>
+                  <a:schemeClr val="accent1">
+                    <a:lumMod val="75000"/>
+                  </a:schemeClr>
+                </a:solidFill>
+              </a:rPr>
+              <a:t> </a:t>
+            </a:r>
+            <a:r>
+              <a:rPr lang="en-US" sz="3999" dirty="0" err="1">
+                <a:solidFill>
+                  <a:schemeClr val="accent1">
+                    <a:lumMod val="75000"/>
+                  </a:schemeClr>
+                </a:solidFill>
+              </a:rPr>
+              <a:t>cuenta</a:t>
+            </a:r>
+            <a:r>
+              <a:rPr lang="en-US" sz="3999" dirty="0">
+                <a:solidFill>
+                  <a:schemeClr val="accent1">
+                    <a:lumMod val="75000"/>
+                  </a:schemeClr>
+                </a:solidFill>
+              </a:rPr>
+              <a:t> de </a:t>
+            </a:r>
+            <a:r>
+              <a:rPr lang="en-US" sz="3999" dirty="0" err="1">
+                <a:solidFill>
+                  <a:schemeClr val="accent1">
+                    <a:lumMod val="75000"/>
+                  </a:schemeClr>
+                </a:solidFill>
+              </a:rPr>
+              <a:t>gmail</a:t>
+            </a:r>
+            <a:r>
+              <a:rPr lang="en-US" sz="3999" dirty="0">
+                <a:solidFill>
+                  <a:schemeClr val="accent1">
+                    <a:lumMod val="75000"/>
+                  </a:schemeClr>
+                </a:solidFill>
+              </a:rPr>
+              <a:t> para que </a:t>
+            </a:r>
+            <a:r>
+              <a:rPr lang="en-US" sz="3999" dirty="0" err="1">
+                <a:solidFill>
+                  <a:schemeClr val="accent1">
+                    <a:lumMod val="75000"/>
+                  </a:schemeClr>
+                </a:solidFill>
+              </a:rPr>
+              <a:t>puedas</a:t>
+            </a:r>
+            <a:r>
+              <a:rPr lang="en-US" sz="3999" dirty="0">
+                <a:solidFill>
+                  <a:schemeClr val="accent1">
+                    <a:lumMod val="75000"/>
+                  </a:schemeClr>
+                </a:solidFill>
+              </a:rPr>
+              <a:t> </a:t>
+            </a:r>
+            <a:r>
+              <a:rPr lang="en-US" sz="3999" dirty="0" err="1">
+                <a:solidFill>
+                  <a:schemeClr val="accent1">
+                    <a:lumMod val="75000"/>
+                  </a:schemeClr>
+                </a:solidFill>
+              </a:rPr>
+              <a:t>ser</a:t>
+            </a:r>
+            <a:r>
+              <a:rPr lang="en-US" sz="3999" dirty="0">
+                <a:solidFill>
+                  <a:schemeClr val="accent1">
+                    <a:lumMod val="75000"/>
+                  </a:schemeClr>
+                </a:solidFill>
+              </a:rPr>
+              <a:t> </a:t>
+            </a:r>
+            <a:r>
+              <a:rPr lang="en-US" sz="3999" dirty="0" err="1">
+                <a:solidFill>
+                  <a:schemeClr val="accent1">
+                    <a:lumMod val="75000"/>
+                  </a:schemeClr>
+                </a:solidFill>
+              </a:rPr>
+              <a:t>agregado</a:t>
+            </a:r>
+            <a:r>
+              <a:rPr lang="en-US" sz="3999" dirty="0">
+                <a:solidFill>
+                  <a:schemeClr val="accent1">
+                    <a:lumMod val="75000"/>
+                  </a:schemeClr>
+                </a:solidFill>
+              </a:rPr>
+              <a:t> al </a:t>
+            </a:r>
+            <a:r>
+              <a:rPr lang="en-US" sz="3999" dirty="0" err="1">
+                <a:solidFill>
+                  <a:schemeClr val="accent1">
+                    <a:lumMod val="75000"/>
+                  </a:schemeClr>
+                </a:solidFill>
+              </a:rPr>
+              <a:t>calendario</a:t>
+            </a:r>
+            <a:r>
+              <a:rPr lang="en-US" sz="3999" dirty="0">
+                <a:solidFill>
+                  <a:schemeClr val="accent1">
+                    <a:lumMod val="75000"/>
+                  </a:schemeClr>
+                </a:solidFill>
+              </a:rPr>
+              <a:t> de Flutteristas.</a:t>
+            </a:r>
+          </a:p>
+        </p:txBody>
+      </p:sp>
+    </p:spTree>
+    <p:extLst>
+      <p:ext uri="{BB962C8B-B14F-4D97-AF65-F5344CB8AC3E}">
+        <p14:creationId xmlns:p14="http://schemas.microsoft.com/office/powerpoint/2010/main" val="1797086798"/>
+      </p:ext>
+    </p:extLst>
+  </p:cSld>
+  <p:clrMapOvr>
+    <a:masterClrMapping/>
+  </p:clrMapOvr>
+  <p:transition spd="med"/>
 </p:sld>
 </file>
 

--- a/Introduction_to_Flutteristas.pptx
+++ b/Introduction_to_Flutteristas.pptx
@@ -677,7 +677,7 @@
           <a:lstStyle/>
           <a:p>
             <a:fld id="{86CB4B4D-7CA3-9044-876B-883B54F8677D}" type="slidenum">
-              <a:t>‹#›</a:t>
+              <a:t>‹Nº›</a:t>
             </a:fld>
             <a:endParaRPr/>
           </a:p>
@@ -816,7 +816,7 @@
           <a:lstStyle/>
           <a:p>
             <a:fld id="{86CB4B4D-7CA3-9044-876B-883B54F8677D}" type="slidenum">
-              <a:t>‹#›</a:t>
+              <a:t>‹Nº›</a:t>
             </a:fld>
             <a:endParaRPr/>
           </a:p>
@@ -897,7 +897,7 @@
           <a:lstStyle/>
           <a:p>
             <a:fld id="{86CB4B4D-7CA3-9044-876B-883B54F8677D}" type="slidenum">
-              <a:t>‹#›</a:t>
+              <a:t>‹Nº›</a:t>
             </a:fld>
             <a:endParaRPr/>
           </a:p>
@@ -949,7 +949,7 @@
           <a:lstStyle/>
           <a:p>
             <a:fld id="{86CB4B4D-7CA3-9044-876B-883B54F8677D}" type="slidenum">
-              <a:t>‹#›</a:t>
+              <a:t>‹Nº›</a:t>
             </a:fld>
             <a:endParaRPr/>
           </a:p>
@@ -1158,7 +1158,7 @@
           <a:lstStyle/>
           <a:p>
             <a:fld id="{86CB4B4D-7CA3-9044-876B-883B54F8677D}" type="slidenum">
-              <a:t>‹#›</a:t>
+              <a:t>‹Nº›</a:t>
             </a:fld>
             <a:endParaRPr/>
           </a:p>
@@ -1239,7 +1239,7 @@
           <a:lstStyle/>
           <a:p>
             <a:fld id="{86CB4B4D-7CA3-9044-876B-883B54F8677D}" type="slidenum">
-              <a:t>‹#›</a:t>
+              <a:t>‹Nº›</a:t>
             </a:fld>
             <a:endParaRPr/>
           </a:p>
@@ -1452,7 +1452,7 @@
           <a:lstStyle/>
           <a:p>
             <a:fld id="{86CB4B4D-7CA3-9044-876B-883B54F8677D}" type="slidenum">
-              <a:t>‹#›</a:t>
+              <a:t>‹Nº›</a:t>
             </a:fld>
             <a:endParaRPr/>
           </a:p>
@@ -1529,7 +1529,7 @@
           <a:lstStyle/>
           <a:p>
             <a:fld id="{86CB4B4D-7CA3-9044-876B-883B54F8677D}" type="slidenum">
-              <a:t>‹#›</a:t>
+              <a:t>‹Nº›</a:t>
             </a:fld>
             <a:endParaRPr/>
           </a:p>
@@ -1671,7 +1671,7 @@
           <a:lstStyle/>
           <a:p>
             <a:fld id="{86CB4B4D-7CA3-9044-876B-883B54F8677D}" type="slidenum">
-              <a:t>‹#›</a:t>
+              <a:t>‹Nº›</a:t>
             </a:fld>
             <a:endParaRPr/>
           </a:p>
@@ -1866,7 +1866,7 @@
           <a:lstStyle/>
           <a:p>
             <a:fld id="{86CB4B4D-7CA3-9044-876B-883B54F8677D}" type="slidenum">
-              <a:t>‹#›</a:t>
+              <a:t>‹Nº›</a:t>
             </a:fld>
             <a:endParaRPr/>
           </a:p>
@@ -1987,7 +1987,7 @@
           <a:lstStyle/>
           <a:p>
             <a:fld id="{86CB4B4D-7CA3-9044-876B-883B54F8677D}" type="slidenum">
-              <a:t>‹#›</a:t>
+              <a:t>‹Nº›</a:t>
             </a:fld>
             <a:endParaRPr/>
           </a:p>
@@ -2126,7 +2126,7 @@
           <a:lstStyle/>
           <a:p>
             <a:fld id="{86CB4B4D-7CA3-9044-876B-883B54F8677D}" type="slidenum">
-              <a:t>‹#›</a:t>
+              <a:t>‹Nº›</a:t>
             </a:fld>
             <a:endParaRPr/>
           </a:p>
@@ -2189,7 +2189,7 @@
           </a:ln>
           <a:extLst>
             <a:ext uri="{C572A759-6A51-4108-AA02-DFA0A04FC94B}">
-              <ma14:wrappingTextBoxFlag xmlns:ma14="http://schemas.microsoft.com/office/mac/drawingml/2011/main" xmlns="" val="1"/>
+              <ma14:wrappingTextBoxFlag xmlns="" xmlns:ma14="http://schemas.microsoft.com/office/mac/drawingml/2011/main" val="1"/>
             </a:ext>
           </a:extLst>
         </p:spPr>
@@ -2228,7 +2228,7 @@
           </a:ln>
           <a:extLst>
             <a:ext uri="{C572A759-6A51-4108-AA02-DFA0A04FC94B}">
-              <ma14:wrappingTextBoxFlag xmlns:ma14="http://schemas.microsoft.com/office/mac/drawingml/2011/main" xmlns="" val="1"/>
+              <ma14:wrappingTextBoxFlag xmlns="" xmlns:ma14="http://schemas.microsoft.com/office/mac/drawingml/2011/main" val="1"/>
             </a:ext>
           </a:extLst>
         </p:spPr>
@@ -2306,7 +2306,7 @@
           </a:lstStyle>
           <a:p>
             <a:fld id="{86CB4B4D-7CA3-9044-876B-883B54F8677D}" type="slidenum">
-              <a:t>‹#›</a:t>
+              <a:t>‹Nº›</a:t>
             </a:fld>
             <a:endParaRPr/>
           </a:p>
@@ -3150,9 +3150,7 @@
           <p:nvPr/>
         </p:nvPicPr>
         <p:blipFill>
-          <a:blip r:embed="rId2">
-            <a:extLst/>
-          </a:blip>
+          <a:blip r:embed="rId2"/>
           <a:srcRect t="13430" b="13430"/>
           <a:stretch>
             <a:fillRect/>
@@ -3186,7 +3184,7 @@
           <p:nvPr/>
         </p:nvPicPr>
         <p:blipFill>
-          <a:blip r:embed="rId3">
+          <a:blip r:embed="rId3" cstate="print">
             <a:extLst>
               <a:ext uri="{28A0092B-C50C-407E-A947-70E740481C1C}">
                 <a14:useLocalDpi xmlns:a14="http://schemas.microsoft.com/office/drawing/2010/main" val="0"/>
@@ -3264,6 +3262,16 @@
           </a:lstStyle>
           <a:p>
             <a:r>
+              <a:rPr lang="es-ES" dirty="0">
+                <a:solidFill>
+                  <a:schemeClr val="accent1">
+                    <a:lumMod val="75000"/>
+                  </a:schemeClr>
+                </a:solidFill>
+              </a:rPr>
+              <a:t>¿Preguntas</a:t>
+            </a:r>
+            <a:r>
               <a:rPr dirty="0">
                 <a:solidFill>
                   <a:schemeClr val="accent1">
@@ -3271,7 +3279,7 @@
                   </a:schemeClr>
                 </a:solidFill>
               </a:rPr>
-              <a:t>Questions?</a:t>
+              <a:t>?</a:t>
             </a:r>
           </a:p>
         </p:txBody>
@@ -3335,14 +3343,14 @@
           </a:lstStyle>
           <a:p>
             <a:r>
-              <a:rPr lang="en-US" dirty="0">
-                <a:solidFill>
-                  <a:schemeClr val="accent1">
-                    <a:lumMod val="75000"/>
-                  </a:schemeClr>
-                </a:solidFill>
-              </a:rPr>
-              <a:t>Appendix</a:t>
+              <a:rPr lang="en-US" dirty="0" err="1">
+                <a:solidFill>
+                  <a:schemeClr val="accent1">
+                    <a:lumMod val="75000"/>
+                  </a:schemeClr>
+                </a:solidFill>
+              </a:rPr>
+              <a:t>Apéndice</a:t>
             </a:r>
             <a:endParaRPr dirty="0">
               <a:solidFill>
@@ -3491,6 +3499,16 @@
               </a:defRPr>
             </a:pPr>
             <a:r>
+              <a:rPr lang="en-US" dirty="0" err="1">
+                <a:solidFill>
+                  <a:schemeClr val="accent1">
+                    <a:lumMod val="75000"/>
+                  </a:schemeClr>
+                </a:solidFill>
+              </a:rPr>
+              <a:t>Flutteristas</a:t>
+            </a:r>
+            <a:r>
               <a:rPr lang="en-US" dirty="0">
                 <a:solidFill>
                   <a:schemeClr val="accent1">
@@ -3498,7 +3516,7 @@
                   </a:schemeClr>
                 </a:solidFill>
               </a:rPr>
-              <a:t>Las </a:t>
+              <a:t> se </a:t>
             </a:r>
             <a:r>
               <a:rPr lang="en-US" dirty="0" err="1">
@@ -3508,7 +3526,7 @@
                   </a:schemeClr>
                 </a:solidFill>
               </a:rPr>
-              <a:t>flutteristas</a:t>
+              <a:t>dedica</a:t>
             </a:r>
             <a:r>
               <a:rPr lang="en-US" dirty="0">
@@ -3518,7 +3536,7 @@
                   </a:schemeClr>
                 </a:solidFill>
               </a:rPr>
-              <a:t> se </a:t>
+              <a:t> a </a:t>
             </a:r>
             <a:r>
               <a:rPr lang="en-US" dirty="0" err="1">
@@ -3528,7 +3546,7 @@
                   </a:schemeClr>
                 </a:solidFill>
               </a:rPr>
-              <a:t>dedican</a:t>
+              <a:t>brindar</a:t>
             </a:r>
             <a:r>
               <a:rPr lang="en-US" dirty="0">
@@ -3538,7 +3556,7 @@
                   </a:schemeClr>
                 </a:solidFill>
               </a:rPr>
-              <a:t> a </a:t>
+              <a:t> una </a:t>
             </a:r>
             <a:r>
               <a:rPr lang="en-US" dirty="0" err="1">
@@ -3548,7 +3566,7 @@
                   </a:schemeClr>
                 </a:solidFill>
               </a:rPr>
-              <a:t>brindar</a:t>
+              <a:t>experiencia</a:t>
             </a:r>
             <a:r>
               <a:rPr lang="en-US" dirty="0">
@@ -3568,7 +3586,7 @@
                   </a:schemeClr>
                 </a:solidFill>
               </a:rPr>
-              <a:t>una</a:t>
+              <a:t>inclusiva</a:t>
             </a:r>
             <a:r>
               <a:rPr lang="en-US" dirty="0">
@@ -3578,67 +3596,7 @@
                   </a:schemeClr>
                 </a:solidFill>
               </a:rPr>
-              <a:t> </a:t>
-            </a:r>
-            <a:r>
-              <a:rPr lang="en-US" dirty="0" err="1">
-                <a:solidFill>
-                  <a:schemeClr val="accent1">
-                    <a:lumMod val="75000"/>
-                  </a:schemeClr>
-                </a:solidFill>
-              </a:rPr>
-              <a:t>experiencia</a:t>
-            </a:r>
-            <a:r>
-              <a:rPr lang="en-US" dirty="0">
-                <a:solidFill>
-                  <a:schemeClr val="accent1">
-                    <a:lumMod val="75000"/>
-                  </a:schemeClr>
-                </a:solidFill>
-              </a:rPr>
-              <a:t> </a:t>
-            </a:r>
-            <a:r>
-              <a:rPr lang="en-US" dirty="0" err="1">
-                <a:solidFill>
-                  <a:schemeClr val="accent1">
-                    <a:lumMod val="75000"/>
-                  </a:schemeClr>
-                </a:solidFill>
-              </a:rPr>
-              <a:t>inclusiva</a:t>
-            </a:r>
-            <a:r>
-              <a:rPr lang="en-US" dirty="0">
-                <a:solidFill>
-                  <a:schemeClr val="accent1">
-                    <a:lumMod val="75000"/>
-                  </a:schemeClr>
-                </a:solidFill>
-              </a:rPr>
-              <a:t> y </a:t>
-            </a:r>
-            <a:r>
-              <a:rPr lang="en-US" dirty="0" err="1">
-                <a:solidFill>
-                  <a:schemeClr val="accent1">
-                    <a:lumMod val="75000"/>
-                  </a:schemeClr>
-                </a:solidFill>
-              </a:rPr>
-              <a:t>libre</a:t>
-            </a:r>
-            <a:r>
-              <a:rPr lang="en-US" dirty="0">
-                <a:solidFill>
-                  <a:schemeClr val="accent1">
-                    <a:lumMod val="75000"/>
-                  </a:schemeClr>
-                </a:solidFill>
-              </a:rPr>
-              <a:t> de </a:t>
+              <a:t> y libre de </a:t>
             </a:r>
             <a:r>
               <a:rPr lang="en-US" dirty="0" err="1">
@@ -4070,6 +4028,116 @@
               </a:defRPr>
             </a:pPr>
             <a:r>
+              <a:rPr lang="en-US" dirty="0" err="1">
+                <a:solidFill>
+                  <a:schemeClr val="accent1">
+                    <a:lumMod val="75000"/>
+                  </a:schemeClr>
+                </a:solidFill>
+              </a:rPr>
+              <a:t>En</a:t>
+            </a:r>
+            <a:r>
+              <a:rPr lang="en-US" dirty="0">
+                <a:solidFill>
+                  <a:schemeClr val="accent1">
+                    <a:lumMod val="75000"/>
+                  </a:schemeClr>
+                </a:solidFill>
+              </a:rPr>
+              <a:t> </a:t>
+            </a:r>
+            <a:r>
+              <a:rPr lang="en-US" dirty="0" err="1">
+                <a:solidFill>
+                  <a:schemeClr val="accent1">
+                    <a:lumMod val="75000"/>
+                  </a:schemeClr>
+                </a:solidFill>
+              </a:rPr>
+              <a:t>Flutteristas</a:t>
+            </a:r>
+            <a:r>
+              <a:rPr lang="en-US" dirty="0">
+                <a:solidFill>
+                  <a:schemeClr val="accent1">
+                    <a:lumMod val="75000"/>
+                  </a:schemeClr>
+                </a:solidFill>
+              </a:rPr>
+              <a:t> se </a:t>
+            </a:r>
+            <a:r>
+              <a:rPr lang="en-US" dirty="0" err="1">
+                <a:solidFill>
+                  <a:schemeClr val="accent1">
+                    <a:lumMod val="75000"/>
+                  </a:schemeClr>
+                </a:solidFill>
+              </a:rPr>
+              <a:t>siguen</a:t>
+            </a:r>
+            <a:r>
+              <a:rPr lang="en-US" dirty="0">
+                <a:solidFill>
+                  <a:schemeClr val="accent1">
+                    <a:lumMod val="75000"/>
+                  </a:schemeClr>
+                </a:solidFill>
+              </a:rPr>
+              <a:t> las directrices de la </a:t>
+            </a:r>
+            <a:r>
+              <a:rPr lang="en-US" dirty="0" err="1">
+                <a:solidFill>
+                  <a:schemeClr val="accent1">
+                    <a:lumMod val="75000"/>
+                  </a:schemeClr>
+                </a:solidFill>
+              </a:rPr>
+              <a:t>comunidad</a:t>
+            </a:r>
+            <a:r>
+              <a:rPr lang="en-US" dirty="0">
+                <a:solidFill>
+                  <a:schemeClr val="accent1">
+                    <a:lumMod val="75000"/>
+                  </a:schemeClr>
+                </a:solidFill>
+              </a:rPr>
+              <a:t> Flutter Interact de Google que se </a:t>
+            </a:r>
+            <a:r>
+              <a:rPr lang="en-US" dirty="0" err="1">
+                <a:solidFill>
+                  <a:schemeClr val="accent1">
+                    <a:lumMod val="75000"/>
+                  </a:schemeClr>
+                </a:solidFill>
+              </a:rPr>
+              <a:t>encuentran</a:t>
+            </a:r>
+            <a:r>
+              <a:rPr lang="en-US" dirty="0">
+                <a:solidFill>
+                  <a:schemeClr val="accent1">
+                    <a:lumMod val="75000"/>
+                  </a:schemeClr>
+                </a:solidFill>
+              </a:rPr>
+              <a:t> </a:t>
+            </a:r>
+            <a:r>
+              <a:rPr lang="en-US" dirty="0" err="1">
+                <a:solidFill>
+                  <a:schemeClr val="accent1">
+                    <a:lumMod val="75000"/>
+                  </a:schemeClr>
+                </a:solidFill>
+              </a:rPr>
+              <a:t>en</a:t>
+            </a:r>
+            <a:r>
               <a:rPr lang="en-US">
                 <a:solidFill>
                   <a:schemeClr val="accent1">
@@ -4077,167 +4145,7 @@
                   </a:schemeClr>
                 </a:solidFill>
               </a:rPr>
-              <a:t>Las </a:t>
-            </a:r>
-            <a:r>
-              <a:rPr lang="en-US" dirty="0" err="1">
-                <a:solidFill>
-                  <a:schemeClr val="accent1">
-                    <a:lumMod val="75000"/>
-                  </a:schemeClr>
-                </a:solidFill>
-              </a:rPr>
-              <a:t>flutteristas</a:t>
-            </a:r>
-            <a:r>
-              <a:rPr lang="en-US" dirty="0">
-                <a:solidFill>
-                  <a:schemeClr val="accent1">
-                    <a:lumMod val="75000"/>
-                  </a:schemeClr>
-                </a:solidFill>
-              </a:rPr>
-              <a:t> </a:t>
-            </a:r>
-            <a:r>
-              <a:rPr lang="en-US" dirty="0" err="1">
-                <a:solidFill>
-                  <a:schemeClr val="accent1">
-                    <a:lumMod val="75000"/>
-                  </a:schemeClr>
-                </a:solidFill>
-              </a:rPr>
-              <a:t>siguen</a:t>
-            </a:r>
-            <a:r>
-              <a:rPr lang="en-US" dirty="0">
-                <a:solidFill>
-                  <a:schemeClr val="accent1">
-                    <a:lumMod val="75000"/>
-                  </a:schemeClr>
-                </a:solidFill>
-              </a:rPr>
-              <a:t> </a:t>
-            </a:r>
-            <a:r>
-              <a:rPr lang="en-US" dirty="0" err="1">
-                <a:solidFill>
-                  <a:schemeClr val="accent1">
-                    <a:lumMod val="75000"/>
-                  </a:schemeClr>
-                </a:solidFill>
-              </a:rPr>
-              <a:t>los</a:t>
-            </a:r>
-            <a:r>
-              <a:rPr lang="en-US" dirty="0">
-                <a:solidFill>
-                  <a:schemeClr val="accent1">
-                    <a:lumMod val="75000"/>
-                  </a:schemeClr>
-                </a:solidFill>
-              </a:rPr>
-              <a:t> </a:t>
-            </a:r>
-            <a:r>
-              <a:rPr lang="en-US" dirty="0" err="1">
-                <a:solidFill>
-                  <a:schemeClr val="accent1">
-                    <a:lumMod val="75000"/>
-                  </a:schemeClr>
-                </a:solidFill>
-              </a:rPr>
-              <a:t>Lineamientos</a:t>
-            </a:r>
-            <a:r>
-              <a:rPr lang="en-US" dirty="0">
-                <a:solidFill>
-                  <a:schemeClr val="accent1">
-                    <a:lumMod val="75000"/>
-                  </a:schemeClr>
-                </a:solidFill>
-              </a:rPr>
-              <a:t> de la </a:t>
-            </a:r>
-            <a:r>
-              <a:rPr lang="en-US" dirty="0" err="1">
-                <a:solidFill>
-                  <a:schemeClr val="accent1">
-                    <a:lumMod val="75000"/>
-                  </a:schemeClr>
-                </a:solidFill>
-              </a:rPr>
-              <a:t>comunidad</a:t>
-            </a:r>
-            <a:r>
-              <a:rPr lang="en-US" dirty="0">
-                <a:solidFill>
-                  <a:schemeClr val="accent1">
-                    <a:lumMod val="75000"/>
-                  </a:schemeClr>
-                </a:solidFill>
-              </a:rPr>
-              <a:t> Flutter Interact de Google que se </a:t>
-            </a:r>
-            <a:r>
-              <a:rPr lang="en-US" dirty="0" err="1">
-                <a:solidFill>
-                  <a:schemeClr val="accent1">
-                    <a:lumMod val="75000"/>
-                  </a:schemeClr>
-                </a:solidFill>
-              </a:rPr>
-              <a:t>encuentran</a:t>
-            </a:r>
-            <a:r>
-              <a:rPr lang="en-US" dirty="0">
-                <a:solidFill>
-                  <a:schemeClr val="accent1">
-                    <a:lumMod val="75000"/>
-                  </a:schemeClr>
-                </a:solidFill>
-              </a:rPr>
-              <a:t> </a:t>
-            </a:r>
-            <a:r>
-              <a:rPr lang="en-US" dirty="0" err="1">
-                <a:solidFill>
-                  <a:schemeClr val="accent1">
-                    <a:lumMod val="75000"/>
-                  </a:schemeClr>
-                </a:solidFill>
-              </a:rPr>
-              <a:t>en</a:t>
-            </a:r>
-            <a:r>
-              <a:rPr lang="en-US" dirty="0">
-                <a:solidFill>
-                  <a:schemeClr val="accent1">
-                    <a:lumMod val="75000"/>
-                  </a:schemeClr>
-                </a:solidFill>
-              </a:rPr>
-              <a:t> https://</a:t>
-            </a:r>
-            <a:r>
-              <a:rPr lang="en-US" dirty="0" err="1">
-                <a:solidFill>
-                  <a:schemeClr val="accent1">
-                    <a:lumMod val="75000"/>
-                  </a:schemeClr>
-                </a:solidFill>
-              </a:rPr>
-              <a:t>developers.google.com</a:t>
-            </a:r>
-            <a:r>
-              <a:rPr lang="en-US" dirty="0">
-                <a:solidFill>
-                  <a:schemeClr val="accent1">
-                    <a:lumMod val="75000"/>
-                  </a:schemeClr>
-                </a:solidFill>
-              </a:rPr>
-              <a:t>/events/flutter-interact/community-guidelines.</a:t>
+              <a:t> https://developers.google.com/events/flutter-interact/community-guidelines.</a:t>
             </a:r>
             <a:endParaRPr dirty="0">
               <a:solidFill>
@@ -5483,7 +5391,7 @@
         </p:spPr>
         <p:txBody>
           <a:bodyPr>
-            <a:normAutofit fontScale="90000"/>
+            <a:normAutofit/>
           </a:bodyPr>
           <a:lstStyle>
             <a:lvl1pPr>
@@ -5554,9 +5462,7 @@
           <p:nvPr/>
         </p:nvPicPr>
         <p:blipFill>
-          <a:blip r:embed="rId2">
-            <a:extLst/>
-          </a:blip>
+          <a:blip r:embed="rId2"/>
           <a:srcRect t="13430" b="13430"/>
           <a:stretch>
             <a:fillRect/>
@@ -5590,7 +5496,7 @@
           <p:nvPr/>
         </p:nvPicPr>
         <p:blipFill>
-          <a:blip r:embed="rId3">
+          <a:blip r:embed="rId3" cstate="print">
             <a:extLst>
               <a:ext uri="{28A0092B-C50C-407E-A947-70E740481C1C}">
                 <a14:useLocalDpi xmlns:a14="http://schemas.microsoft.com/office/drawing/2010/main" val="0"/>
@@ -5771,6 +5677,16 @@
               </a:defRPr>
             </a:pPr>
             <a:r>
+              <a:rPr lang="en-US" dirty="0" err="1">
+                <a:solidFill>
+                  <a:schemeClr val="accent1">
+                    <a:lumMod val="75000"/>
+                  </a:schemeClr>
+                </a:solidFill>
+              </a:rPr>
+              <a:t>Flutteristas</a:t>
+            </a:r>
+            <a:r>
               <a:rPr lang="en-US" dirty="0">
                 <a:solidFill>
                   <a:schemeClr val="accent1">
@@ -5778,7 +5694,7 @@
                   </a:schemeClr>
                 </a:solidFill>
               </a:rPr>
-              <a:t>Las Flutteristas </a:t>
+              <a:t> es una </a:t>
             </a:r>
             <a:r>
               <a:rPr lang="en-US" dirty="0" err="1">
@@ -5788,7 +5704,7 @@
                   </a:schemeClr>
                 </a:solidFill>
               </a:rPr>
-              <a:t>es</a:t>
+              <a:t>comunidad</a:t>
             </a:r>
             <a:r>
               <a:rPr lang="en-US" dirty="0">
@@ -5808,7 +5724,7 @@
                   </a:schemeClr>
                 </a:solidFill>
               </a:rPr>
-              <a:t>una</a:t>
+              <a:t>mundial</a:t>
             </a:r>
             <a:r>
               <a:rPr lang="en-US" dirty="0">
@@ -5818,6 +5734,26 @@
                   </a:schemeClr>
                 </a:solidFill>
               </a:rPr>
+              <a:t> de personas </a:t>
+            </a:r>
+            <a:r>
+              <a:rPr lang="en-US" dirty="0" err="1">
+                <a:solidFill>
+                  <a:schemeClr val="accent1">
+                    <a:lumMod val="75000"/>
+                  </a:schemeClr>
+                </a:solidFill>
+              </a:rPr>
+              <a:t>cuya</a:t>
+            </a:r>
+            <a:r>
+              <a:rPr lang="en-US" dirty="0">
+                <a:solidFill>
+                  <a:schemeClr val="accent1">
+                    <a:lumMod val="75000"/>
+                  </a:schemeClr>
+                </a:solidFill>
+              </a:rPr>
               <a:t> </a:t>
             </a:r>
             <a:r>
@@ -5828,7 +5764,7 @@
                   </a:schemeClr>
                 </a:solidFill>
               </a:rPr>
-              <a:t>comunidad</a:t>
+              <a:t>identidad</a:t>
             </a:r>
             <a:r>
               <a:rPr lang="en-US" dirty="0">
@@ -5838,7 +5774,7 @@
                   </a:schemeClr>
                 </a:solidFill>
               </a:rPr>
-              <a:t> </a:t>
+              <a:t> de </a:t>
             </a:r>
             <a:r>
               <a:rPr lang="en-US" dirty="0" err="1">
@@ -5848,7 +5784,7 @@
                   </a:schemeClr>
                 </a:solidFill>
               </a:rPr>
-              <a:t>mundial</a:t>
+              <a:t>género</a:t>
             </a:r>
             <a:r>
               <a:rPr lang="en-US" dirty="0">
@@ -5858,87 +5794,7 @@
                   </a:schemeClr>
                 </a:solidFill>
               </a:rPr>
-              <a:t> de personas </a:t>
-            </a:r>
-            <a:r>
-              <a:rPr lang="en-US" dirty="0" err="1">
-                <a:solidFill>
-                  <a:schemeClr val="accent1">
-                    <a:lumMod val="75000"/>
-                  </a:schemeClr>
-                </a:solidFill>
-              </a:rPr>
-              <a:t>cuya</a:t>
-            </a:r>
-            <a:r>
-              <a:rPr lang="en-US" dirty="0">
-                <a:solidFill>
-                  <a:schemeClr val="accent1">
-                    <a:lumMod val="75000"/>
-                  </a:schemeClr>
-                </a:solidFill>
-              </a:rPr>
-              <a:t> </a:t>
-            </a:r>
-            <a:r>
-              <a:rPr lang="en-US" dirty="0" err="1">
-                <a:solidFill>
-                  <a:schemeClr val="accent1">
-                    <a:lumMod val="75000"/>
-                  </a:schemeClr>
-                </a:solidFill>
-              </a:rPr>
-              <a:t>identidad</a:t>
-            </a:r>
-            <a:r>
-              <a:rPr lang="en-US" dirty="0">
-                <a:solidFill>
-                  <a:schemeClr val="accent1">
-                    <a:lumMod val="75000"/>
-                  </a:schemeClr>
-                </a:solidFill>
-              </a:rPr>
-              <a:t> de </a:t>
-            </a:r>
-            <a:r>
-              <a:rPr lang="en-US" dirty="0" err="1">
-                <a:solidFill>
-                  <a:schemeClr val="accent1">
-                    <a:lumMod val="75000"/>
-                  </a:schemeClr>
-                </a:solidFill>
-              </a:rPr>
-              <a:t>género</a:t>
-            </a:r>
-            <a:r>
-              <a:rPr lang="en-US" dirty="0">
-                <a:solidFill>
-                  <a:schemeClr val="accent1">
-                    <a:lumMod val="75000"/>
-                  </a:schemeClr>
-                </a:solidFill>
-              </a:rPr>
-              <a:t> </a:t>
-            </a:r>
-            <a:r>
-              <a:rPr lang="en-US" dirty="0" err="1">
-                <a:solidFill>
-                  <a:schemeClr val="accent1">
-                    <a:lumMod val="75000"/>
-                  </a:schemeClr>
-                </a:solidFill>
-              </a:rPr>
-              <a:t>es</a:t>
-            </a:r>
-            <a:r>
-              <a:rPr lang="en-US" dirty="0">
-                <a:solidFill>
-                  <a:schemeClr val="accent1">
-                    <a:lumMod val="75000"/>
-                  </a:schemeClr>
-                </a:solidFill>
-              </a:rPr>
-              <a:t> </a:t>
+              <a:t> es </a:t>
             </a:r>
             <a:r>
               <a:rPr lang="en-US" dirty="0" err="1">
@@ -6050,6 +5906,16 @@
               </a:defRPr>
             </a:pPr>
             <a:r>
+              <a:rPr lang="en-US" dirty="0" err="1">
+                <a:solidFill>
+                  <a:schemeClr val="accent1">
+                    <a:lumMod val="75000"/>
+                  </a:schemeClr>
+                </a:solidFill>
+              </a:rPr>
+              <a:t>En</a:t>
+            </a:r>
+            <a:r>
               <a:rPr lang="en-US" dirty="0">
                 <a:solidFill>
                   <a:schemeClr val="accent1">
@@ -6057,7 +5923,7 @@
                   </a:schemeClr>
                 </a:solidFill>
               </a:rPr>
-              <a:t>Las Flutteristas </a:t>
+              <a:t> </a:t>
             </a:r>
             <a:r>
               <a:rPr lang="en-US" dirty="0" err="1">
@@ -6067,7 +5933,7 @@
                   </a:schemeClr>
                 </a:solidFill>
               </a:rPr>
-              <a:t>tienen</a:t>
+              <a:t>Flutteristas</a:t>
             </a:r>
             <a:r>
               <a:rPr lang="en-US" dirty="0">
@@ -6087,7 +5953,7 @@
                   </a:schemeClr>
                 </a:solidFill>
               </a:rPr>
-              <a:t>una</a:t>
+              <a:t>tenemos</a:t>
             </a:r>
             <a:r>
               <a:rPr lang="en-US" dirty="0">
@@ -6097,6 +5963,26 @@
                   </a:schemeClr>
                 </a:solidFill>
               </a:rPr>
+              <a:t> una </a:t>
+            </a:r>
+            <a:r>
+              <a:rPr lang="en-US" dirty="0" err="1">
+                <a:solidFill>
+                  <a:schemeClr val="accent1">
+                    <a:lumMod val="75000"/>
+                  </a:schemeClr>
+                </a:solidFill>
+              </a:rPr>
+              <a:t>reunión</a:t>
+            </a:r>
+            <a:r>
+              <a:rPr lang="en-US" dirty="0">
+                <a:solidFill>
+                  <a:schemeClr val="accent1">
+                    <a:lumMod val="75000"/>
+                  </a:schemeClr>
+                </a:solidFill>
+              </a:rPr>
               <a:t> </a:t>
             </a:r>
             <a:r>
@@ -6107,7 +5993,7 @@
                   </a:schemeClr>
                 </a:solidFill>
               </a:rPr>
-              <a:t>reunión</a:t>
+              <a:t>mensual</a:t>
             </a:r>
             <a:r>
               <a:rPr lang="en-US" dirty="0">
@@ -6117,6 +6003,26 @@
                   </a:schemeClr>
                 </a:solidFill>
               </a:rPr>
+              <a:t> que </a:t>
+            </a:r>
+            <a:r>
+              <a:rPr lang="en-US" dirty="0" err="1">
+                <a:solidFill>
+                  <a:schemeClr val="accent1">
+                    <a:lumMod val="75000"/>
+                  </a:schemeClr>
+                </a:solidFill>
+              </a:rPr>
+              <a:t>generalmente</a:t>
+            </a:r>
+            <a:r>
+              <a:rPr lang="en-US" dirty="0">
+                <a:solidFill>
+                  <a:schemeClr val="accent1">
+                    <a:lumMod val="75000"/>
+                  </a:schemeClr>
+                </a:solidFill>
+              </a:rPr>
               <a:t> </a:t>
             </a:r>
             <a:r>
@@ -6127,7 +6033,7 @@
                   </a:schemeClr>
                 </a:solidFill>
               </a:rPr>
-              <a:t>mensual</a:t>
+              <a:t>incluye</a:t>
             </a:r>
             <a:r>
               <a:rPr lang="en-US" dirty="0">
@@ -6137,7 +6043,7 @@
                   </a:schemeClr>
                 </a:solidFill>
               </a:rPr>
-              <a:t> que </a:t>
+              <a:t> una </a:t>
             </a:r>
             <a:r>
               <a:rPr lang="en-US" dirty="0" err="1">
@@ -6147,7 +6053,7 @@
                   </a:schemeClr>
                 </a:solidFill>
               </a:rPr>
-              <a:t>generalmente</a:t>
+              <a:t>presentación</a:t>
             </a:r>
             <a:r>
               <a:rPr lang="en-US" dirty="0">
@@ -6157,87 +6063,7 @@
                   </a:schemeClr>
                 </a:solidFill>
               </a:rPr>
-              <a:t> </a:t>
-            </a:r>
-            <a:r>
-              <a:rPr lang="en-US" dirty="0" err="1">
-                <a:solidFill>
-                  <a:schemeClr val="accent1">
-                    <a:lumMod val="75000"/>
-                  </a:schemeClr>
-                </a:solidFill>
-              </a:rPr>
-              <a:t>incluye</a:t>
-            </a:r>
-            <a:r>
-              <a:rPr lang="en-US" dirty="0">
-                <a:solidFill>
-                  <a:schemeClr val="accent1">
-                    <a:lumMod val="75000"/>
-                  </a:schemeClr>
-                </a:solidFill>
-              </a:rPr>
-              <a:t> </a:t>
-            </a:r>
-            <a:r>
-              <a:rPr lang="en-US" dirty="0" err="1">
-                <a:solidFill>
-                  <a:schemeClr val="accent1">
-                    <a:lumMod val="75000"/>
-                  </a:schemeClr>
-                </a:solidFill>
-              </a:rPr>
-              <a:t>una</a:t>
-            </a:r>
-            <a:r>
-              <a:rPr lang="en-US" dirty="0">
-                <a:solidFill>
-                  <a:schemeClr val="accent1">
-                    <a:lumMod val="75000"/>
-                  </a:schemeClr>
-                </a:solidFill>
-              </a:rPr>
-              <a:t> </a:t>
-            </a:r>
-            <a:r>
-              <a:rPr lang="en-US" dirty="0" err="1">
-                <a:solidFill>
-                  <a:schemeClr val="accent1">
-                    <a:lumMod val="75000"/>
-                  </a:schemeClr>
-                </a:solidFill>
-              </a:rPr>
-              <a:t>presentación</a:t>
-            </a:r>
-            <a:r>
-              <a:rPr lang="en-US" dirty="0">
-                <a:solidFill>
-                  <a:schemeClr val="accent1">
-                    <a:lumMod val="75000"/>
-                  </a:schemeClr>
-                </a:solidFill>
-              </a:rPr>
-              <a:t> de </a:t>
-            </a:r>
-            <a:r>
-              <a:rPr lang="en-US" dirty="0" err="1">
-                <a:solidFill>
-                  <a:schemeClr val="accent1">
-                    <a:lumMod val="75000"/>
-                  </a:schemeClr>
-                </a:solidFill>
-              </a:rPr>
-              <a:t>los</a:t>
-            </a:r>
-            <a:r>
-              <a:rPr lang="en-US" dirty="0">
-                <a:solidFill>
-                  <a:schemeClr val="accent1">
-                    <a:lumMod val="75000"/>
-                  </a:schemeClr>
-                </a:solidFill>
-              </a:rPr>
-              <a:t> </a:t>
+              <a:t> de los </a:t>
             </a:r>
             <a:r>
               <a:rPr lang="en-US" dirty="0" err="1">
@@ -6743,7 +6569,7 @@
                   </a:schemeClr>
                 </a:solidFill>
               </a:rPr>
-              <a:t> o no </a:t>
+              <a:t> o persona no </a:t>
             </a:r>
             <a:r>
               <a:rPr lang="en-US" sz="3999" dirty="0" err="1">
@@ -6763,7 +6589,7 @@
                   </a:schemeClr>
                 </a:solidFill>
               </a:rPr>
-              <a:t> que </a:t>
+              <a:t>, y </a:t>
             </a:r>
             <a:r>
               <a:rPr lang="en-US" sz="3999" dirty="0" err="1">

--- a/Introduction_to_Flutteristas.pptx
+++ b/Introduction_to_Flutteristas.pptx
@@ -2189,7 +2189,7 @@
           </a:ln>
           <a:extLst>
             <a:ext uri="{C572A759-6A51-4108-AA02-DFA0A04FC94B}">
-              <ma14:wrappingTextBoxFlag xmlns="" xmlns:ma14="http://schemas.microsoft.com/office/mac/drawingml/2011/main" val="1"/>
+              <ma14:wrappingTextBoxFlag xmlns:ma14="http://schemas.microsoft.com/office/mac/drawingml/2011/main" xmlns="" val="1"/>
             </a:ext>
           </a:extLst>
         </p:spPr>
@@ -2228,7 +2228,7 @@
           </a:ln>
           <a:extLst>
             <a:ext uri="{C572A759-6A51-4108-AA02-DFA0A04FC94B}">
-              <ma14:wrappingTextBoxFlag xmlns="" xmlns:ma14="http://schemas.microsoft.com/office/mac/drawingml/2011/main" val="1"/>
+              <ma14:wrappingTextBoxFlag xmlns:ma14="http://schemas.microsoft.com/office/mac/drawingml/2011/main" xmlns="" val="1"/>
             </a:ext>
           </a:extLst>
         </p:spPr>
@@ -5612,17 +5612,17 @@
                   </a:schemeClr>
                 </a:solidFill>
               </a:rPr>
-              <a:t> son las </a:t>
-            </a:r>
-            <a:r>
-              <a:rPr lang="en-US" sz="4799" dirty="0" err="1">
-                <a:solidFill>
-                  <a:schemeClr val="accent1">
-                    <a:lumMod val="75000"/>
-                  </a:schemeClr>
-                </a:solidFill>
-              </a:rPr>
-              <a:t>flutteristas</a:t>
+              <a:t> es </a:t>
+            </a:r>
+            <a:r>
+              <a:rPr lang="en-US" sz="4799">
+                <a:solidFill>
+                  <a:schemeClr val="accent1">
+                    <a:lumMod val="75000"/>
+                  </a:schemeClr>
+                </a:solidFill>
+              </a:rPr>
+              <a:t>Flutteristas</a:t>
             </a:r>
             <a:r>
               <a:rPr lang="en-US" sz="4799" dirty="0">
